--- a/2019_03_14_Streams/Exercise 3.pptx
+++ b/2019_03_14_Streams/Exercise 3.pptx
@@ -216,7 +216,7 @@
           <a:p>
             <a:fld id="{EA040917-E8B0-43E0-A42F-0075974202E8}" type="datetimeFigureOut">
               <a:rPr lang="en-US" smtClean="0"/>
-              <a:t>3/12/2019</a:t>
+              <a:t>3/14/2019</a:t>
             </a:fld>
             <a:endParaRPr lang="en-US"/>
           </a:p>
@@ -1631,7 +1631,7 @@
           <a:p>
             <a:fld id="{83284890-85D2-4D7B-8EF5-15A9C1DB8F42}" type="datetimeFigureOut">
               <a:rPr lang="en-US" dirty="0"/>
-              <a:t>3/12/2019</a:t>
+              <a:t>3/14/2019</a:t>
             </a:fld>
             <a:endParaRPr lang="en-US" dirty="0"/>
           </a:p>
@@ -1806,7 +1806,7 @@
           <a:p>
             <a:fld id="{87157CC2-0FC8-4686-B024-99790E0F5162}" type="datetimeFigureOut">
               <a:rPr lang="en-US" dirty="0"/>
-              <a:t>3/12/2019</a:t>
+              <a:t>3/14/2019</a:t>
             </a:fld>
             <a:endParaRPr lang="en-US" dirty="0"/>
           </a:p>
@@ -1981,7 +1981,7 @@
           <a:p>
             <a:fld id="{F6764DA5-CD3D-4590-A511-FCD3BC7A793E}" type="datetimeFigureOut">
               <a:rPr lang="en-US" dirty="0"/>
-              <a:t>3/12/2019</a:t>
+              <a:t>3/14/2019</a:t>
             </a:fld>
             <a:endParaRPr lang="en-US" dirty="0"/>
           </a:p>
@@ -2146,7 +2146,7 @@
           <a:p>
             <a:fld id="{82F5661D-6934-4B32-B92C-470368BF1EC6}" type="datetimeFigureOut">
               <a:rPr lang="en-US" dirty="0"/>
-              <a:t>3/12/2019</a:t>
+              <a:t>3/14/2019</a:t>
             </a:fld>
             <a:endParaRPr lang="en-US" dirty="0"/>
           </a:p>
@@ -2454,7 +2454,7 @@
           <a:p>
             <a:fld id="{C6F822A4-8DA6-4447-9B1F-C5DB58435268}" type="datetimeFigureOut">
               <a:rPr lang="en-US" dirty="0"/>
-              <a:t>3/12/2019</a:t>
+              <a:t>3/14/2019</a:t>
             </a:fld>
             <a:endParaRPr lang="en-US" dirty="0"/>
           </a:p>
@@ -2836,7 +2836,7 @@
           <a:p>
             <a:fld id="{E548D31E-DCDA-41A7-9C67-C4B11B94D21D}" type="datetimeFigureOut">
               <a:rPr lang="en-US" dirty="0"/>
-              <a:t>3/12/2019</a:t>
+              <a:t>3/14/2019</a:t>
             </a:fld>
             <a:endParaRPr lang="en-US" dirty="0"/>
           </a:p>
@@ -3265,7 +3265,7 @@
           <a:p>
             <a:fld id="{9B3762C0-B258-48F1-ADE6-176B4174CCDD}" type="datetimeFigureOut">
               <a:rPr lang="en-US" dirty="0"/>
-              <a:t>3/12/2019</a:t>
+              <a:t>3/14/2019</a:t>
             </a:fld>
             <a:endParaRPr lang="en-US" dirty="0"/>
           </a:p>
@@ -3378,7 +3378,7 @@
           <a:p>
             <a:fld id="{677919A6-33EB-49BD-A62F-1FA56B9F9712}" type="datetimeFigureOut">
               <a:rPr lang="en-US" dirty="0"/>
-              <a:t>3/12/2019</a:t>
+              <a:t>3/14/2019</a:t>
             </a:fld>
             <a:endParaRPr lang="en-US" dirty="0"/>
           </a:p>
@@ -3468,7 +3468,7 @@
           <a:p>
             <a:fld id="{CA4E7D1B-D673-4CF6-8672-009D42ABD2A0}" type="datetimeFigureOut">
               <a:rPr lang="en-US" dirty="0"/>
-              <a:t>3/12/2019</a:t>
+              <a:t>3/14/2019</a:t>
             </a:fld>
             <a:endParaRPr lang="en-US" dirty="0"/>
           </a:p>
@@ -3813,7 +3813,7 @@
           <a:p>
             <a:fld id="{DA16AA21-1863-4931-97CB-99D0A168701B}" type="datetimeFigureOut">
               <a:rPr lang="en-US" dirty="0"/>
-              <a:t>3/12/2019</a:t>
+              <a:t>3/14/2019</a:t>
             </a:fld>
             <a:endParaRPr lang="en-US" dirty="0"/>
           </a:p>
@@ -4233,7 +4233,7 @@
           <a:p>
             <a:fld id="{3772C379-9A7C-4C87-A116-CBE9F58B04C5}" type="datetimeFigureOut">
               <a:rPr lang="en-US" dirty="0"/>
-              <a:t>3/12/2019</a:t>
+              <a:t>3/14/2019</a:t>
             </a:fld>
             <a:endParaRPr lang="en-US" dirty="0"/>
           </a:p>
@@ -4509,7 +4509,7 @@
           <a:p>
             <a:fld id="{8664C608-40B1-4030-A28D-5B74BC98ADCE}" type="datetimeFigureOut">
               <a:rPr lang="en-US" dirty="0"/>
-              <a:t>3/12/2019</a:t>
+              <a:t>3/14/2019</a:t>
             </a:fld>
             <a:endParaRPr lang="en-US" dirty="0"/>
           </a:p>
@@ -5642,7 +5642,6 @@
               <a:rPr lang="en-US" sz="2800" dirty="0" smtClean="0"/>
               <a:t>bytes</a:t>
             </a:r>
-            <a:endParaRPr lang="en-US" sz="2800" dirty="0" smtClean="0"/>
           </a:p>
           <a:p>
             <a:pPr marL="0" indent="0">
@@ -6712,6 +6711,13 @@
   <p:clrMapOvr>
     <a:masterClrMapping/>
   </p:clrMapOvr>
+  <p:timing>
+    <p:tnLst>
+      <p:par>
+        <p:cTn id="1" dur="indefinite" restart="never" nodeType="tmRoot"/>
+      </p:par>
+    </p:tnLst>
+  </p:timing>
 </p:sld>
 </file>
 
@@ -6958,6 +6964,13 @@
   <p:clrMapOvr>
     <a:masterClrMapping/>
   </p:clrMapOvr>
+  <p:timing>
+    <p:tnLst>
+      <p:par>
+        <p:cTn id="1" dur="indefinite" restart="never" nodeType="tmRoot"/>
+      </p:par>
+    </p:tnLst>
+  </p:timing>
 </p:sld>
 </file>
 
@@ -7237,11 +7250,7 @@
           <a:p>
             <a:r>
               <a:rPr lang="en-US" sz="4400" dirty="0" smtClean="0"/>
-              <a:t>Problem </a:t>
-            </a:r>
-            <a:r>
-              <a:rPr lang="en-US" sz="4400" dirty="0" smtClean="0"/>
-              <a:t>1: </a:t>
+              <a:t>Problem 1: </a:t>
             </a:r>
             <a:r>
               <a:rPr lang="en-US" sz="4400" dirty="0"/>
@@ -7256,30 +7265,14 @@
             </a:br>
             <a:r>
               <a:rPr lang="en-US" sz="4400" dirty="0" smtClean="0"/>
-              <a:t>A) </a:t>
-            </a:r>
-            <a:r>
-              <a:rPr lang="en-US" sz="4400" dirty="0" smtClean="0"/>
-              <a:t>using </a:t>
-            </a:r>
-            <a:r>
-              <a:rPr lang="en-US" sz="4400" dirty="0" smtClean="0"/>
-              <a:t>Stack for stream object</a:t>
-            </a:r>
-            <a:r>
-              <a:rPr lang="en-US" sz="4400" dirty="0" smtClean="0"/>
-              <a:t/>
+              <a:t>A) using Stack for stream object</a:t>
             </a:r>
             <a:br>
               <a:rPr lang="en-US" sz="4400" dirty="0" smtClean="0"/>
             </a:br>
             <a:r>
               <a:rPr lang="en-US" sz="4400" dirty="0" smtClean="0"/>
-              <a:t>B) </a:t>
-            </a:r>
-            <a:r>
-              <a:rPr lang="en-US" sz="4400" dirty="0" smtClean="0"/>
-              <a:t>using Heap (Dynamically) for stream object</a:t>
+              <a:t>B) using Heap (Dynamically) for stream object</a:t>
             </a:r>
             <a:r>
               <a:rPr lang="en-US" dirty="0" smtClean="0">
@@ -7948,15 +7941,7 @@
           <a:p>
             <a:r>
               <a:rPr lang="en-US" sz="4400" dirty="0" smtClean="0"/>
-              <a:t>Problem2: </a:t>
-            </a:r>
-            <a:r>
-              <a:rPr lang="en-US" sz="4400" dirty="0" smtClean="0"/>
-              <a:t>Modify solution to Write “Hello Stream” Twice Using </a:t>
-            </a:r>
-            <a:r>
-              <a:rPr lang="en-US" sz="4400" dirty="0" smtClean="0"/>
-              <a:t>Flags to append</a:t>
+              <a:t>Problem2: Modify solution to Write “Hello Stream” Twice Using Flags to append</a:t>
             </a:r>
             <a:endParaRPr lang="en-US" sz="4400" dirty="0"/>
           </a:p>
@@ -8661,11 +8646,7 @@
           <a:p>
             <a:r>
               <a:rPr lang="en-US" dirty="0" smtClean="0"/>
-              <a:t>Problem3: </a:t>
-            </a:r>
-            <a:r>
-              <a:rPr lang="en-US" dirty="0" smtClean="0"/>
-              <a:t>Write Program which read</a:t>
+              <a:t>Problem3: Write Program which read</a:t>
             </a:r>
             <a:br>
               <a:rPr lang="en-US" dirty="0" smtClean="0"/>
@@ -8900,6 +8881,13 @@
   <p:clrMapOvr>
     <a:masterClrMapping/>
   </p:clrMapOvr>
+  <p:timing>
+    <p:tnLst>
+      <p:par>
+        <p:cTn id="1" dur="indefinite" restart="never" nodeType="tmRoot"/>
+      </p:par>
+    </p:tnLst>
+  </p:timing>
 </p:sld>
 </file>
 
@@ -8965,27 +8953,7 @@
             </a:br>
             <a:r>
               <a:rPr lang="en-US" sz="4400" i="1" dirty="0" smtClean="0"/>
-              <a:t>Problem3</a:t>
-            </a:r>
-            <a:r>
-              <a:rPr lang="en-US" sz="4400" i="1" dirty="0" smtClean="0"/>
-              <a:t>:  </a:t>
-            </a:r>
-            <a:r>
-              <a:rPr lang="en-US" sz="4400" i="1" dirty="0" smtClean="0"/>
-              <a:t>Use </a:t>
-            </a:r>
-            <a:r>
-              <a:rPr lang="en-US" sz="4400" i="1" dirty="0" smtClean="0"/>
-              <a:t>Person Class (from previous exercise) and </a:t>
-            </a:r>
-            <a:r>
-              <a:rPr lang="en-US" sz="4400" i="1" dirty="0" smtClean="0"/>
-              <a:t>Save </a:t>
-            </a:r>
-            <a:r>
-              <a:rPr lang="en-US" sz="4400" i="1" dirty="0" smtClean="0"/>
-              <a:t>Person objects to “persons.txt” File</a:t>
+              <a:t>Problem3:  Use Person Class (from previous exercise) and Save Person objects to “persons.txt” File</a:t>
             </a:r>
             <a:br>
               <a:rPr lang="en-US" sz="4400" i="1" dirty="0" smtClean="0"/>
@@ -9014,11 +8982,7 @@
             </a:br>
             <a:r>
               <a:rPr lang="en-US" sz="4400" i="1" dirty="0" smtClean="0"/>
-              <a:t>with some custom </a:t>
-            </a:r>
-            <a:r>
-              <a:rPr lang="en-US" sz="4400" i="1" dirty="0" smtClean="0"/>
-              <a:t>IOS::flags</a:t>
+              <a:t>with some custom IOS::flags</a:t>
             </a:r>
             <a:endParaRPr lang="en-US" sz="4400" i="1" dirty="0"/>
           </a:p>
@@ -9123,6 +9087,13 @@
   <p:clrMapOvr>
     <a:masterClrMapping/>
   </p:clrMapOvr>
+  <p:timing>
+    <p:tnLst>
+      <p:par>
+        <p:cTn id="1" dur="indefinite" restart="never" nodeType="tmRoot"/>
+      </p:par>
+    </p:tnLst>
+  </p:timing>
 </p:sld>
 </file>
 
@@ -9223,10 +9194,6 @@
               <a:rPr lang="en-US" dirty="0"/>
               <a:t> </a:t>
             </a:r>
-            <a:r>
-              <a:rPr lang="en-US" dirty="0"/>
-              <a:t/>
-            </a:r>
             <a:br>
               <a:rPr lang="en-US" dirty="0"/>
             </a:br>
@@ -9490,6 +9457,13 @@
   <p:clrMapOvr>
     <a:masterClrMapping/>
   </p:clrMapOvr>
+  <p:timing>
+    <p:tnLst>
+      <p:par>
+        <p:cTn id="1" dur="indefinite" restart="never" nodeType="tmRoot"/>
+      </p:par>
+    </p:tnLst>
+  </p:timing>
 </p:sld>
 </file>
 
@@ -9867,6 +9841,13 @@
   <p:clrMapOvr>
     <a:masterClrMapping/>
   </p:clrMapOvr>
+  <p:timing>
+    <p:tnLst>
+      <p:par>
+        <p:cTn id="1" dur="indefinite" restart="never" nodeType="tmRoot"/>
+      </p:par>
+    </p:tnLst>
+  </p:timing>
 </p:sld>
 </file>
 
@@ -10105,7 +10086,7 @@
                 </a:solidFill>
                 <a:latin typeface="Consolas" panose="020B0609020204030204" pitchFamily="49" charset="0"/>
               </a:rPr>
-              <a:t>unsigned</a:t>
+              <a:t>n</a:t>
             </a:r>
             <a:r>
               <a:rPr lang="en-US" dirty="0" smtClean="0">
@@ -10268,8 +10249,23 @@
                 </a:solidFill>
                 <a:latin typeface="Consolas" panose="020B0609020204030204" pitchFamily="49" charset="0"/>
               </a:rPr>
-              <a:t>value = 123;</a:t>
-            </a:r>
+              <a:t>value = </a:t>
+            </a:r>
+            <a:r>
+              <a:rPr lang="en-US" dirty="0" smtClean="0">
+                <a:solidFill>
+                  <a:srgbClr val="000000"/>
+                </a:solidFill>
+                <a:latin typeface="Consolas" panose="020B0609020204030204" pitchFamily="49" charset="0"/>
+              </a:rPr>
+              <a:t>5;</a:t>
+            </a:r>
+            <a:endParaRPr lang="en-US" dirty="0">
+              <a:solidFill>
+                <a:srgbClr val="000000"/>
+              </a:solidFill>
+              <a:latin typeface="Consolas" panose="020B0609020204030204" pitchFamily="49" charset="0"/>
+            </a:endParaRPr>
           </a:p>
           <a:p>
             <a:pPr marL="0" indent="0">
@@ -10282,42 +10278,6 @@
                 </a:solidFill>
                 <a:latin typeface="Consolas" panose="020B0609020204030204" pitchFamily="49" charset="0"/>
               </a:rPr>
-              <a:t>std</a:t>
-            </a:r>
-            <a:r>
-              <a:rPr lang="en-US" dirty="0">
-                <a:solidFill>
-                  <a:srgbClr val="000000"/>
-                </a:solidFill>
-                <a:latin typeface="Consolas" panose="020B0609020204030204" pitchFamily="49" charset="0"/>
-              </a:rPr>
-              <a:t>::</a:t>
-            </a:r>
-            <a:r>
-              <a:rPr lang="en-US" dirty="0" err="1">
-                <a:solidFill>
-                  <a:srgbClr val="000000"/>
-                </a:solidFill>
-                <a:latin typeface="Consolas" panose="020B0609020204030204" pitchFamily="49" charset="0"/>
-              </a:rPr>
-              <a:t>cout</a:t>
-            </a:r>
-            <a:r>
-              <a:rPr lang="en-US" dirty="0">
-                <a:solidFill>
-                  <a:srgbClr val="000000"/>
-                </a:solidFill>
-                <a:latin typeface="Consolas" panose="020B0609020204030204" pitchFamily="49" charset="0"/>
-              </a:rPr>
-              <a:t> &lt;&lt; </a:t>
-            </a:r>
-            <a:r>
-              <a:rPr lang="en-US" dirty="0" err="1" smtClean="0">
-                <a:solidFill>
-                  <a:srgbClr val="000000"/>
-                </a:solidFill>
-                <a:latin typeface="Consolas" panose="020B0609020204030204" pitchFamily="49" charset="0"/>
-              </a:rPr>
               <a:t>printBits</a:t>
             </a:r>
             <a:r>
@@ -10327,7 +10287,25 @@
                 </a:solidFill>
                 <a:latin typeface="Consolas" panose="020B0609020204030204" pitchFamily="49" charset="0"/>
               </a:rPr>
-              <a:t>(123);</a:t>
+              <a:t>(va</a:t>
+            </a:r>
+            <a:r>
+              <a:rPr lang="en-US" dirty="0" smtClean="0">
+                <a:solidFill>
+                  <a:srgbClr val="000000"/>
+                </a:solidFill>
+                <a:latin typeface="Consolas" panose="020B0609020204030204" pitchFamily="49" charset="0"/>
+              </a:rPr>
+              <a:t>lue</a:t>
+            </a:r>
+            <a:r>
+              <a:rPr lang="en-US" dirty="0" smtClean="0">
+                <a:solidFill>
+                  <a:srgbClr val="000000"/>
+                </a:solidFill>
+                <a:latin typeface="Consolas" panose="020B0609020204030204" pitchFamily="49" charset="0"/>
+              </a:rPr>
+              <a:t>);</a:t>
             </a:r>
             <a:endParaRPr lang="en-US" dirty="0">
               <a:solidFill>
@@ -10354,6 +10332,13 @@
   <p:clrMapOvr>
     <a:masterClrMapping/>
   </p:clrMapOvr>
+  <p:timing>
+    <p:tnLst>
+      <p:par>
+        <p:cTn id="1" dur="indefinite" restart="never" nodeType="tmRoot"/>
+      </p:par>
+    </p:tnLst>
+  </p:timing>
 </p:sld>
 </file>
 
@@ -10860,6 +10845,13 @@
   <p:clrMapOvr>
     <a:masterClrMapping/>
   </p:clrMapOvr>
+  <p:timing>
+    <p:tnLst>
+      <p:par>
+        <p:cTn id="1" dur="indefinite" restart="never" nodeType="tmRoot"/>
+      </p:par>
+    </p:tnLst>
+  </p:timing>
 </p:sld>
 </file>
 
@@ -10939,6 +10931,13 @@
   <p:clrMapOvr>
     <a:masterClrMapping/>
   </p:clrMapOvr>
+  <p:timing>
+    <p:tnLst>
+      <p:par>
+        <p:cTn id="1" dur="indefinite" restart="never" nodeType="tmRoot"/>
+      </p:par>
+    </p:tnLst>
+  </p:timing>
 </p:sld>
 </file>
 
@@ -11216,6 +11215,13 @@
   <p:clrMapOvr>
     <a:masterClrMapping/>
   </p:clrMapOvr>
+  <p:timing>
+    <p:tnLst>
+      <p:par>
+        <p:cTn id="1" dur="indefinite" restart="never" nodeType="tmRoot"/>
+      </p:par>
+    </p:tnLst>
+  </p:timing>
 </p:sld>
 </file>
 

--- a/2019_03_14_Streams/Exercise 3.pptx
+++ b/2019_03_14_Streams/Exercise 3.pptx
@@ -5,7 +5,7 @@
     <p:sldMasterId id="2147483840" r:id="rId1"/>
   </p:sldMasterIdLst>
   <p:notesMasterIdLst>
-    <p:notesMasterId r:id="rId22"/>
+    <p:notesMasterId r:id="rId19"/>
   </p:notesMasterIdLst>
   <p:sldIdLst>
     <p:sldId id="256" r:id="rId2"/>
@@ -22,12 +22,9 @@
     <p:sldId id="318" r:id="rId13"/>
     <p:sldId id="319" r:id="rId14"/>
     <p:sldId id="296" r:id="rId15"/>
-    <p:sldId id="259" r:id="rId16"/>
-    <p:sldId id="298" r:id="rId17"/>
-    <p:sldId id="297" r:id="rId18"/>
-    <p:sldId id="299" r:id="rId19"/>
-    <p:sldId id="300" r:id="rId20"/>
-    <p:sldId id="261" r:id="rId21"/>
+    <p:sldId id="320" r:id="rId16"/>
+    <p:sldId id="321" r:id="rId17"/>
+    <p:sldId id="322" r:id="rId18"/>
   </p:sldIdLst>
   <p:sldSz cx="12192000" cy="6858000"/>
   <p:notesSz cx="6858000" cy="9144000"/>
@@ -216,7 +213,7 @@
           <a:p>
             <a:fld id="{EA040917-E8B0-43E0-A42F-0075974202E8}" type="datetimeFigureOut">
               <a:rPr lang="en-US" smtClean="0"/>
-              <a:t>3/12/2019</a:t>
+              <a:t>3/19/2019</a:t>
             </a:fld>
             <a:endParaRPr lang="en-US"/>
           </a:p>
@@ -1631,7 +1628,7 @@
           <a:p>
             <a:fld id="{83284890-85D2-4D7B-8EF5-15A9C1DB8F42}" type="datetimeFigureOut">
               <a:rPr lang="en-US" dirty="0"/>
-              <a:t>3/12/2019</a:t>
+              <a:t>3/19/2019</a:t>
             </a:fld>
             <a:endParaRPr lang="en-US" dirty="0"/>
           </a:p>
@@ -1806,7 +1803,7 @@
           <a:p>
             <a:fld id="{87157CC2-0FC8-4686-B024-99790E0F5162}" type="datetimeFigureOut">
               <a:rPr lang="en-US" dirty="0"/>
-              <a:t>3/12/2019</a:t>
+              <a:t>3/19/2019</a:t>
             </a:fld>
             <a:endParaRPr lang="en-US" dirty="0"/>
           </a:p>
@@ -1981,7 +1978,7 @@
           <a:p>
             <a:fld id="{F6764DA5-CD3D-4590-A511-FCD3BC7A793E}" type="datetimeFigureOut">
               <a:rPr lang="en-US" dirty="0"/>
-              <a:t>3/12/2019</a:t>
+              <a:t>3/19/2019</a:t>
             </a:fld>
             <a:endParaRPr lang="en-US" dirty="0"/>
           </a:p>
@@ -2146,7 +2143,7 @@
           <a:p>
             <a:fld id="{82F5661D-6934-4B32-B92C-470368BF1EC6}" type="datetimeFigureOut">
               <a:rPr lang="en-US" dirty="0"/>
-              <a:t>3/12/2019</a:t>
+              <a:t>3/19/2019</a:t>
             </a:fld>
             <a:endParaRPr lang="en-US" dirty="0"/>
           </a:p>
@@ -2454,7 +2451,7 @@
           <a:p>
             <a:fld id="{C6F822A4-8DA6-4447-9B1F-C5DB58435268}" type="datetimeFigureOut">
               <a:rPr lang="en-US" dirty="0"/>
-              <a:t>3/12/2019</a:t>
+              <a:t>3/19/2019</a:t>
             </a:fld>
             <a:endParaRPr lang="en-US" dirty="0"/>
           </a:p>
@@ -2836,7 +2833,7 @@
           <a:p>
             <a:fld id="{E548D31E-DCDA-41A7-9C67-C4B11B94D21D}" type="datetimeFigureOut">
               <a:rPr lang="en-US" dirty="0"/>
-              <a:t>3/12/2019</a:t>
+              <a:t>3/19/2019</a:t>
             </a:fld>
             <a:endParaRPr lang="en-US" dirty="0"/>
           </a:p>
@@ -3265,7 +3262,7 @@
           <a:p>
             <a:fld id="{9B3762C0-B258-48F1-ADE6-176B4174CCDD}" type="datetimeFigureOut">
               <a:rPr lang="en-US" dirty="0"/>
-              <a:t>3/12/2019</a:t>
+              <a:t>3/19/2019</a:t>
             </a:fld>
             <a:endParaRPr lang="en-US" dirty="0"/>
           </a:p>
@@ -3378,7 +3375,7 @@
           <a:p>
             <a:fld id="{677919A6-33EB-49BD-A62F-1FA56B9F9712}" type="datetimeFigureOut">
               <a:rPr lang="en-US" dirty="0"/>
-              <a:t>3/12/2019</a:t>
+              <a:t>3/19/2019</a:t>
             </a:fld>
             <a:endParaRPr lang="en-US" dirty="0"/>
           </a:p>
@@ -3468,7 +3465,7 @@
           <a:p>
             <a:fld id="{CA4E7D1B-D673-4CF6-8672-009D42ABD2A0}" type="datetimeFigureOut">
               <a:rPr lang="en-US" dirty="0"/>
-              <a:t>3/12/2019</a:t>
+              <a:t>3/19/2019</a:t>
             </a:fld>
             <a:endParaRPr lang="en-US" dirty="0"/>
           </a:p>
@@ -3813,7 +3810,7 @@
           <a:p>
             <a:fld id="{DA16AA21-1863-4931-97CB-99D0A168701B}" type="datetimeFigureOut">
               <a:rPr lang="en-US" dirty="0"/>
-              <a:t>3/12/2019</a:t>
+              <a:t>3/19/2019</a:t>
             </a:fld>
             <a:endParaRPr lang="en-US" dirty="0"/>
           </a:p>
@@ -4233,7 +4230,7 @@
           <a:p>
             <a:fld id="{3772C379-9A7C-4C87-A116-CBE9F58B04C5}" type="datetimeFigureOut">
               <a:rPr lang="en-US" dirty="0"/>
-              <a:t>3/12/2019</a:t>
+              <a:t>3/19/2019</a:t>
             </a:fld>
             <a:endParaRPr lang="en-US" dirty="0"/>
           </a:p>
@@ -4509,7 +4506,7 @@
           <a:p>
             <a:fld id="{8664C608-40B1-4030-A28D-5B74BC98ADCE}" type="datetimeFigureOut">
               <a:rPr lang="en-US" dirty="0"/>
-              <a:t>3/12/2019</a:t>
+              <a:t>3/19/2019</a:t>
             </a:fld>
             <a:endParaRPr lang="en-US" dirty="0"/>
           </a:p>
@@ -5642,7 +5639,6 @@
               <a:rPr lang="en-US" sz="2800" dirty="0" smtClean="0"/>
               <a:t>bytes</a:t>
             </a:r>
-            <a:endParaRPr lang="en-US" sz="2800" dirty="0" smtClean="0"/>
           </a:p>
           <a:p>
             <a:pPr marL="0" indent="0">
@@ -7225,8 +7221,8 @@
         </p:nvSpPr>
         <p:spPr>
           <a:xfrm>
-            <a:off x="494212" y="420951"/>
-            <a:ext cx="11290118" cy="2630859"/>
+            <a:off x="1069848" y="484632"/>
+            <a:ext cx="10058400" cy="577814"/>
           </a:xfrm>
         </p:spPr>
         <p:txBody>
@@ -7236,68 +7232,9 @@
           <a:lstStyle/>
           <a:p>
             <a:r>
-              <a:rPr lang="en-US" sz="4400" dirty="0" smtClean="0"/>
-              <a:t>Problem </a:t>
-            </a:r>
-            <a:r>
-              <a:rPr lang="en-US" sz="4400" dirty="0" smtClean="0"/>
-              <a:t>1: </a:t>
-            </a:r>
-            <a:r>
-              <a:rPr lang="en-US" sz="4400" dirty="0"/>
-              <a:t>Use stream object to write “HELLO STREAM” in </a:t>
-            </a:r>
-            <a:r>
-              <a:rPr lang="en-US" sz="4400" dirty="0" smtClean="0"/>
-              <a:t>“myFistsFile.txt” file</a:t>
-            </a:r>
-            <a:br>
-              <a:rPr lang="en-US" sz="4400" dirty="0" smtClean="0"/>
-            </a:br>
-            <a:r>
-              <a:rPr lang="en-US" sz="4400" dirty="0" smtClean="0"/>
-              <a:t>A) </a:t>
-            </a:r>
-            <a:r>
-              <a:rPr lang="en-US" sz="4400" dirty="0" smtClean="0"/>
-              <a:t>using </a:t>
-            </a:r>
-            <a:r>
-              <a:rPr lang="en-US" sz="4400" dirty="0" smtClean="0"/>
-              <a:t>Stack for stream object</a:t>
-            </a:r>
-            <a:r>
-              <a:rPr lang="en-US" sz="4400" dirty="0" smtClean="0"/>
-              <a:t/>
-            </a:r>
-            <a:br>
-              <a:rPr lang="en-US" sz="4400" dirty="0" smtClean="0"/>
-            </a:br>
-            <a:r>
-              <a:rPr lang="en-US" sz="4400" dirty="0" smtClean="0"/>
-              <a:t>B) </a:t>
-            </a:r>
-            <a:r>
-              <a:rPr lang="en-US" sz="4400" dirty="0" smtClean="0"/>
-              <a:t>using Heap (Dynamically) for stream object</a:t>
-            </a:r>
-            <a:r>
-              <a:rPr lang="en-US" dirty="0" smtClean="0">
-                <a:solidFill>
-                  <a:srgbClr val="000000"/>
-                </a:solidFill>
-                <a:latin typeface="Segoe UI" panose="020B0502040204020203" pitchFamily="34" charset="0"/>
-              </a:rPr>
-              <a:t/>
-            </a:r>
-            <a:br>
-              <a:rPr lang="en-US" dirty="0" smtClean="0">
-                <a:solidFill>
-                  <a:srgbClr val="000000"/>
-                </a:solidFill>
-                <a:latin typeface="Segoe UI" panose="020B0502040204020203" pitchFamily="34" charset="0"/>
-              </a:rPr>
-            </a:br>
+              <a:rPr lang="en-US" dirty="0" smtClean="0"/>
+              <a:t>eXAm1: Problem1 Implement Methods</a:t>
+            </a:r>
             <a:endParaRPr lang="en-US" dirty="0"/>
           </a:p>
         </p:txBody>
@@ -7314,45 +7251,784 @@
         </p:nvSpPr>
         <p:spPr>
           <a:xfrm>
-            <a:off x="252549" y="3634740"/>
-            <a:ext cx="10875699" cy="2975066"/>
+            <a:off x="121920" y="1219200"/>
+            <a:ext cx="11006328" cy="5638800"/>
           </a:xfrm>
         </p:spPr>
         <p:txBody>
           <a:bodyPr>
-            <a:normAutofit/>
+            <a:normAutofit fontScale="92500" lnSpcReduction="20000"/>
           </a:bodyPr>
           <a:lstStyle/>
           <a:p>
             <a:pPr marL="0" indent="0">
               <a:buNone/>
             </a:pPr>
-            <a:endParaRPr lang="en-US" sz="3200" dirty="0" smtClean="0">
+            <a:r>
+              <a:rPr lang="en-US" dirty="0">
+                <a:solidFill>
+                  <a:srgbClr val="0000FF"/>
+                </a:solidFill>
+                <a:latin typeface="Consolas" panose="020B0609020204030204" pitchFamily="49" charset="0"/>
+              </a:rPr>
+              <a:t>class</a:t>
+            </a:r>
+            <a:r>
+              <a:rPr lang="en-US" dirty="0">
+                <a:solidFill>
+                  <a:srgbClr val="000000"/>
+                </a:solidFill>
+                <a:latin typeface="Consolas" panose="020B0609020204030204" pitchFamily="49" charset="0"/>
+              </a:rPr>
+              <a:t> Point3</a:t>
+            </a:r>
+          </a:p>
+          <a:p>
+            <a:pPr marL="0" indent="0">
+              <a:buNone/>
+            </a:pPr>
+            <a:r>
+              <a:rPr lang="en-US" dirty="0" smtClean="0">
+                <a:solidFill>
+                  <a:srgbClr val="000000"/>
+                </a:solidFill>
+                <a:latin typeface="Consolas" panose="020B0609020204030204" pitchFamily="49" charset="0"/>
+              </a:rPr>
+              <a:t>{</a:t>
+            </a:r>
+            <a:endParaRPr lang="en-US" dirty="0">
+              <a:solidFill>
+                <a:srgbClr val="000000"/>
+              </a:solidFill>
+              <a:latin typeface="Consolas" panose="020B0609020204030204" pitchFamily="49" charset="0"/>
+            </a:endParaRPr>
+          </a:p>
+          <a:p>
+            <a:pPr marL="0" indent="0">
+              <a:buNone/>
+            </a:pPr>
+            <a:r>
+              <a:rPr lang="en-US" dirty="0" smtClean="0">
+                <a:solidFill>
+                  <a:srgbClr val="0000FF"/>
+                </a:solidFill>
+                <a:latin typeface="Consolas" panose="020B0609020204030204" pitchFamily="49" charset="0"/>
+              </a:rPr>
+              <a:t>public</a:t>
+            </a:r>
+            <a:r>
+              <a:rPr lang="en-US" dirty="0">
+                <a:solidFill>
+                  <a:srgbClr val="000000"/>
+                </a:solidFill>
+                <a:latin typeface="Consolas" panose="020B0609020204030204" pitchFamily="49" charset="0"/>
+              </a:rPr>
+              <a:t>:</a:t>
+            </a:r>
+          </a:p>
+          <a:p>
+            <a:pPr marL="274320" lvl="1" indent="0">
+              <a:buNone/>
+            </a:pPr>
+            <a:r>
+              <a:rPr lang="fr-FR" dirty="0">
+                <a:solidFill>
+                  <a:srgbClr val="000000"/>
+                </a:solidFill>
+                <a:latin typeface="Consolas" panose="020B0609020204030204" pitchFamily="49" charset="0"/>
+              </a:rPr>
+              <a:t>Point3(</a:t>
+            </a:r>
+            <a:r>
+              <a:rPr lang="fr-FR" dirty="0">
+                <a:solidFill>
+                  <a:srgbClr val="0000FF"/>
+                </a:solidFill>
+                <a:latin typeface="Consolas" panose="020B0609020204030204" pitchFamily="49" charset="0"/>
+              </a:rPr>
+              <a:t>double</a:t>
+            </a:r>
+            <a:r>
+              <a:rPr lang="fr-FR" dirty="0">
+                <a:solidFill>
+                  <a:srgbClr val="000000"/>
+                </a:solidFill>
+                <a:latin typeface="Consolas" panose="020B0609020204030204" pitchFamily="49" charset="0"/>
+              </a:rPr>
+              <a:t> = 0, </a:t>
+            </a:r>
+            <a:r>
+              <a:rPr lang="fr-FR" dirty="0">
+                <a:solidFill>
+                  <a:srgbClr val="0000FF"/>
+                </a:solidFill>
+                <a:latin typeface="Consolas" panose="020B0609020204030204" pitchFamily="49" charset="0"/>
+              </a:rPr>
+              <a:t>double</a:t>
+            </a:r>
+            <a:r>
+              <a:rPr lang="fr-FR" dirty="0">
+                <a:solidFill>
+                  <a:srgbClr val="000000"/>
+                </a:solidFill>
+                <a:latin typeface="Consolas" panose="020B0609020204030204" pitchFamily="49" charset="0"/>
+              </a:rPr>
+              <a:t> = 0, </a:t>
+            </a:r>
+            <a:r>
+              <a:rPr lang="fr-FR" dirty="0">
+                <a:solidFill>
+                  <a:srgbClr val="0000FF"/>
+                </a:solidFill>
+                <a:latin typeface="Consolas" panose="020B0609020204030204" pitchFamily="49" charset="0"/>
+              </a:rPr>
+              <a:t>double</a:t>
+            </a:r>
+            <a:r>
+              <a:rPr lang="fr-FR" dirty="0">
+                <a:solidFill>
+                  <a:srgbClr val="000000"/>
+                </a:solidFill>
+                <a:latin typeface="Consolas" panose="020B0609020204030204" pitchFamily="49" charset="0"/>
+              </a:rPr>
+              <a:t> = 0);</a:t>
+            </a:r>
+          </a:p>
+          <a:p>
+            <a:pPr marL="274320" lvl="1" indent="0">
+              <a:buNone/>
+            </a:pPr>
+            <a:r>
+              <a:rPr lang="en-US" dirty="0" smtClean="0">
+                <a:solidFill>
+                  <a:srgbClr val="0000FF"/>
+                </a:solidFill>
+                <a:latin typeface="Consolas" panose="020B0609020204030204" pitchFamily="49" charset="0"/>
+              </a:rPr>
+              <a:t>double</a:t>
+            </a:r>
+            <a:r>
+              <a:rPr lang="en-US" dirty="0" smtClean="0">
+                <a:solidFill>
+                  <a:srgbClr val="000000"/>
+                </a:solidFill>
+                <a:latin typeface="Consolas" panose="020B0609020204030204" pitchFamily="49" charset="0"/>
+              </a:rPr>
+              <a:t> </a:t>
+            </a:r>
+            <a:r>
+              <a:rPr lang="en-US" dirty="0" err="1">
+                <a:solidFill>
+                  <a:srgbClr val="000000"/>
+                </a:solidFill>
+                <a:latin typeface="Consolas" panose="020B0609020204030204" pitchFamily="49" charset="0"/>
+              </a:rPr>
+              <a:t>GetX</a:t>
+            </a:r>
+            <a:r>
+              <a:rPr lang="en-US" dirty="0">
+                <a:solidFill>
+                  <a:srgbClr val="000000"/>
+                </a:solidFill>
+                <a:latin typeface="Consolas" panose="020B0609020204030204" pitchFamily="49" charset="0"/>
+              </a:rPr>
+              <a:t>() </a:t>
+            </a:r>
+            <a:r>
+              <a:rPr lang="en-US" dirty="0" err="1">
+                <a:solidFill>
+                  <a:srgbClr val="0000FF"/>
+                </a:solidFill>
+                <a:latin typeface="Consolas" panose="020B0609020204030204" pitchFamily="49" charset="0"/>
+              </a:rPr>
+              <a:t>const</a:t>
+            </a:r>
+            <a:r>
+              <a:rPr lang="en-US" dirty="0">
+                <a:solidFill>
+                  <a:srgbClr val="000000"/>
+                </a:solidFill>
+                <a:latin typeface="Consolas" panose="020B0609020204030204" pitchFamily="49" charset="0"/>
+              </a:rPr>
+              <a:t>;</a:t>
+            </a:r>
+          </a:p>
+          <a:p>
+            <a:pPr marL="274320" lvl="1" indent="0">
+              <a:buNone/>
+            </a:pPr>
+            <a:r>
+              <a:rPr lang="en-US" dirty="0">
+                <a:solidFill>
+                  <a:srgbClr val="0000FF"/>
+                </a:solidFill>
+                <a:latin typeface="Consolas" panose="020B0609020204030204" pitchFamily="49" charset="0"/>
+              </a:rPr>
+              <a:t>double</a:t>
+            </a:r>
+            <a:r>
+              <a:rPr lang="en-US" dirty="0">
+                <a:solidFill>
+                  <a:srgbClr val="000000"/>
+                </a:solidFill>
+                <a:latin typeface="Consolas" panose="020B0609020204030204" pitchFamily="49" charset="0"/>
+              </a:rPr>
+              <a:t> </a:t>
+            </a:r>
+            <a:r>
+              <a:rPr lang="en-US" dirty="0" err="1">
+                <a:solidFill>
+                  <a:srgbClr val="000000"/>
+                </a:solidFill>
+                <a:latin typeface="Consolas" panose="020B0609020204030204" pitchFamily="49" charset="0"/>
+              </a:rPr>
+              <a:t>GetY</a:t>
+            </a:r>
+            <a:r>
+              <a:rPr lang="en-US" dirty="0">
+                <a:solidFill>
+                  <a:srgbClr val="000000"/>
+                </a:solidFill>
+                <a:latin typeface="Consolas" panose="020B0609020204030204" pitchFamily="49" charset="0"/>
+              </a:rPr>
+              <a:t>() </a:t>
+            </a:r>
+            <a:r>
+              <a:rPr lang="en-US" dirty="0" err="1">
+                <a:solidFill>
+                  <a:srgbClr val="0000FF"/>
+                </a:solidFill>
+                <a:latin typeface="Consolas" panose="020B0609020204030204" pitchFamily="49" charset="0"/>
+              </a:rPr>
+              <a:t>const</a:t>
+            </a:r>
+            <a:r>
+              <a:rPr lang="en-US" dirty="0">
+                <a:solidFill>
+                  <a:srgbClr val="000000"/>
+                </a:solidFill>
+                <a:latin typeface="Consolas" panose="020B0609020204030204" pitchFamily="49" charset="0"/>
+              </a:rPr>
+              <a:t>;</a:t>
+            </a:r>
+          </a:p>
+          <a:p>
+            <a:pPr marL="274320" lvl="1" indent="0">
+              <a:buNone/>
+            </a:pPr>
+            <a:r>
+              <a:rPr lang="en-US" dirty="0">
+                <a:solidFill>
+                  <a:srgbClr val="0000FF"/>
+                </a:solidFill>
+                <a:latin typeface="Consolas" panose="020B0609020204030204" pitchFamily="49" charset="0"/>
+              </a:rPr>
+              <a:t>double</a:t>
+            </a:r>
+            <a:r>
+              <a:rPr lang="en-US" dirty="0">
+                <a:solidFill>
+                  <a:srgbClr val="000000"/>
+                </a:solidFill>
+                <a:latin typeface="Consolas" panose="020B0609020204030204" pitchFamily="49" charset="0"/>
+              </a:rPr>
+              <a:t> </a:t>
+            </a:r>
+            <a:r>
+              <a:rPr lang="en-US" dirty="0" err="1">
+                <a:solidFill>
+                  <a:srgbClr val="000000"/>
+                </a:solidFill>
+                <a:latin typeface="Consolas" panose="020B0609020204030204" pitchFamily="49" charset="0"/>
+              </a:rPr>
+              <a:t>GetZ</a:t>
+            </a:r>
+            <a:r>
+              <a:rPr lang="en-US" dirty="0">
+                <a:solidFill>
+                  <a:srgbClr val="000000"/>
+                </a:solidFill>
+                <a:latin typeface="Consolas" panose="020B0609020204030204" pitchFamily="49" charset="0"/>
+              </a:rPr>
+              <a:t>() </a:t>
+            </a:r>
+            <a:r>
+              <a:rPr lang="en-US" dirty="0" err="1" smtClean="0">
+                <a:solidFill>
+                  <a:srgbClr val="0000FF"/>
+                </a:solidFill>
+                <a:latin typeface="Consolas" panose="020B0609020204030204" pitchFamily="49" charset="0"/>
+              </a:rPr>
+              <a:t>const</a:t>
+            </a:r>
+            <a:r>
+              <a:rPr lang="en-US" dirty="0" smtClean="0">
+                <a:solidFill>
+                  <a:srgbClr val="000000"/>
+                </a:solidFill>
+                <a:latin typeface="Consolas" panose="020B0609020204030204" pitchFamily="49" charset="0"/>
+              </a:rPr>
+              <a:t>;</a:t>
+            </a:r>
+          </a:p>
+          <a:p>
+            <a:pPr marL="274320" lvl="1" indent="0">
+              <a:buNone/>
+            </a:pPr>
+            <a:r>
+              <a:rPr lang="en-US" dirty="0" smtClean="0">
+                <a:solidFill>
+                  <a:srgbClr val="0000FF"/>
+                </a:solidFill>
+                <a:latin typeface="Consolas" panose="020B0609020204030204" pitchFamily="49" charset="0"/>
+              </a:rPr>
+              <a:t>void</a:t>
+            </a:r>
+            <a:r>
+              <a:rPr lang="en-US" dirty="0" smtClean="0">
+                <a:solidFill>
+                  <a:srgbClr val="000000"/>
+                </a:solidFill>
+                <a:latin typeface="Consolas" panose="020B0609020204030204" pitchFamily="49" charset="0"/>
+              </a:rPr>
+              <a:t> </a:t>
+            </a:r>
+            <a:r>
+              <a:rPr lang="en-US" dirty="0" err="1">
+                <a:solidFill>
+                  <a:srgbClr val="000000"/>
+                </a:solidFill>
+                <a:latin typeface="Consolas" panose="020B0609020204030204" pitchFamily="49" charset="0"/>
+              </a:rPr>
+              <a:t>SetX</a:t>
+            </a:r>
+            <a:r>
+              <a:rPr lang="en-US" dirty="0">
+                <a:solidFill>
+                  <a:srgbClr val="000000"/>
+                </a:solidFill>
+                <a:latin typeface="Consolas" panose="020B0609020204030204" pitchFamily="49" charset="0"/>
+              </a:rPr>
+              <a:t>(</a:t>
+            </a:r>
+            <a:r>
+              <a:rPr lang="en-US" dirty="0">
+                <a:solidFill>
+                  <a:srgbClr val="0000FF"/>
+                </a:solidFill>
+                <a:latin typeface="Consolas" panose="020B0609020204030204" pitchFamily="49" charset="0"/>
+              </a:rPr>
+              <a:t>double</a:t>
+            </a:r>
+            <a:r>
+              <a:rPr lang="en-US" dirty="0">
+                <a:solidFill>
+                  <a:srgbClr val="000000"/>
+                </a:solidFill>
+                <a:latin typeface="Consolas" panose="020B0609020204030204" pitchFamily="49" charset="0"/>
+              </a:rPr>
+              <a:t>);</a:t>
+            </a:r>
+          </a:p>
+          <a:p>
+            <a:pPr marL="274320" lvl="1" indent="0">
+              <a:buNone/>
+            </a:pPr>
+            <a:r>
+              <a:rPr lang="en-US" dirty="0">
+                <a:solidFill>
+                  <a:srgbClr val="0000FF"/>
+                </a:solidFill>
+                <a:latin typeface="Consolas" panose="020B0609020204030204" pitchFamily="49" charset="0"/>
+              </a:rPr>
+              <a:t>void</a:t>
+            </a:r>
+            <a:r>
+              <a:rPr lang="en-US" dirty="0">
+                <a:solidFill>
+                  <a:srgbClr val="000000"/>
+                </a:solidFill>
+                <a:latin typeface="Consolas" panose="020B0609020204030204" pitchFamily="49" charset="0"/>
+              </a:rPr>
+              <a:t> </a:t>
+            </a:r>
+            <a:r>
+              <a:rPr lang="en-US" dirty="0" err="1">
+                <a:solidFill>
+                  <a:srgbClr val="000000"/>
+                </a:solidFill>
+                <a:latin typeface="Consolas" panose="020B0609020204030204" pitchFamily="49" charset="0"/>
+              </a:rPr>
+              <a:t>SetY</a:t>
+            </a:r>
+            <a:r>
+              <a:rPr lang="en-US" dirty="0">
+                <a:solidFill>
+                  <a:srgbClr val="000000"/>
+                </a:solidFill>
+                <a:latin typeface="Consolas" panose="020B0609020204030204" pitchFamily="49" charset="0"/>
+              </a:rPr>
+              <a:t>(</a:t>
+            </a:r>
+            <a:r>
+              <a:rPr lang="en-US" dirty="0">
+                <a:solidFill>
+                  <a:srgbClr val="0000FF"/>
+                </a:solidFill>
+                <a:latin typeface="Consolas" panose="020B0609020204030204" pitchFamily="49" charset="0"/>
+              </a:rPr>
+              <a:t>double</a:t>
+            </a:r>
+            <a:r>
+              <a:rPr lang="en-US" dirty="0">
+                <a:solidFill>
+                  <a:srgbClr val="000000"/>
+                </a:solidFill>
+                <a:latin typeface="Consolas" panose="020B0609020204030204" pitchFamily="49" charset="0"/>
+              </a:rPr>
+              <a:t>);</a:t>
+            </a:r>
+          </a:p>
+          <a:p>
+            <a:pPr marL="274320" lvl="1" indent="0">
+              <a:buNone/>
+            </a:pPr>
+            <a:r>
+              <a:rPr lang="en-US" dirty="0">
+                <a:solidFill>
+                  <a:srgbClr val="0000FF"/>
+                </a:solidFill>
+                <a:latin typeface="Consolas" panose="020B0609020204030204" pitchFamily="49" charset="0"/>
+              </a:rPr>
+              <a:t>void</a:t>
+            </a:r>
+            <a:r>
+              <a:rPr lang="en-US" dirty="0">
+                <a:solidFill>
+                  <a:srgbClr val="000000"/>
+                </a:solidFill>
+                <a:latin typeface="Consolas" panose="020B0609020204030204" pitchFamily="49" charset="0"/>
+              </a:rPr>
+              <a:t> </a:t>
+            </a:r>
+            <a:r>
+              <a:rPr lang="en-US" dirty="0" err="1">
+                <a:solidFill>
+                  <a:srgbClr val="000000"/>
+                </a:solidFill>
+                <a:latin typeface="Consolas" panose="020B0609020204030204" pitchFamily="49" charset="0"/>
+              </a:rPr>
+              <a:t>SetZ</a:t>
+            </a:r>
+            <a:r>
+              <a:rPr lang="en-US" dirty="0">
+                <a:solidFill>
+                  <a:srgbClr val="000000"/>
+                </a:solidFill>
+                <a:latin typeface="Consolas" panose="020B0609020204030204" pitchFamily="49" charset="0"/>
+              </a:rPr>
+              <a:t>(</a:t>
+            </a:r>
+            <a:r>
+              <a:rPr lang="en-US" dirty="0">
+                <a:solidFill>
+                  <a:srgbClr val="0000FF"/>
+                </a:solidFill>
+                <a:latin typeface="Consolas" panose="020B0609020204030204" pitchFamily="49" charset="0"/>
+              </a:rPr>
+              <a:t>double</a:t>
+            </a:r>
+            <a:r>
+              <a:rPr lang="en-US" dirty="0">
+                <a:solidFill>
+                  <a:srgbClr val="000000"/>
+                </a:solidFill>
+                <a:latin typeface="Consolas" panose="020B0609020204030204" pitchFamily="49" charset="0"/>
+              </a:rPr>
+              <a:t>);</a:t>
+            </a:r>
+          </a:p>
+          <a:p>
+            <a:pPr marL="274320" lvl="1" indent="0">
+              <a:buNone/>
+            </a:pPr>
+            <a:r>
+              <a:rPr lang="en-US" dirty="0" smtClean="0">
+                <a:solidFill>
+                  <a:srgbClr val="0000FF"/>
+                </a:solidFill>
+                <a:latin typeface="Consolas" panose="020B0609020204030204" pitchFamily="49" charset="0"/>
+              </a:rPr>
+              <a:t>void</a:t>
+            </a:r>
+            <a:r>
+              <a:rPr lang="en-US" dirty="0" smtClean="0">
+                <a:solidFill>
+                  <a:srgbClr val="000000"/>
+                </a:solidFill>
+                <a:latin typeface="Consolas" panose="020B0609020204030204" pitchFamily="49" charset="0"/>
+              </a:rPr>
+              <a:t> </a:t>
+            </a:r>
+            <a:r>
+              <a:rPr lang="en-US" dirty="0" err="1">
+                <a:solidFill>
+                  <a:srgbClr val="000000"/>
+                </a:solidFill>
+                <a:latin typeface="Consolas" panose="020B0609020204030204" pitchFamily="49" charset="0"/>
+              </a:rPr>
+              <a:t>TranslateByVector</a:t>
+            </a:r>
+            <a:r>
+              <a:rPr lang="en-US" dirty="0">
+                <a:solidFill>
+                  <a:srgbClr val="000000"/>
+                </a:solidFill>
+                <a:latin typeface="Consolas" panose="020B0609020204030204" pitchFamily="49" charset="0"/>
+              </a:rPr>
+              <a:t>(</a:t>
+            </a:r>
+            <a:r>
+              <a:rPr lang="en-US" dirty="0" err="1">
+                <a:solidFill>
+                  <a:srgbClr val="0000FF"/>
+                </a:solidFill>
+                <a:latin typeface="Consolas" panose="020B0609020204030204" pitchFamily="49" charset="0"/>
+              </a:rPr>
+              <a:t>const</a:t>
+            </a:r>
+            <a:r>
+              <a:rPr lang="en-US" dirty="0">
+                <a:solidFill>
+                  <a:srgbClr val="000000"/>
+                </a:solidFill>
+                <a:latin typeface="Consolas" panose="020B0609020204030204" pitchFamily="49" charset="0"/>
+              </a:rPr>
+              <a:t> Point3&amp; vector);</a:t>
+            </a:r>
+          </a:p>
+          <a:p>
+            <a:pPr marL="274320" lvl="1" indent="0">
+              <a:buNone/>
+            </a:pPr>
+            <a:r>
+              <a:rPr lang="en-US" dirty="0">
+                <a:solidFill>
+                  <a:srgbClr val="000000"/>
+                </a:solidFill>
+                <a:latin typeface="Consolas" panose="020B0609020204030204" pitchFamily="49" charset="0"/>
+              </a:rPr>
+              <a:t>Point3&amp; </a:t>
+            </a:r>
+            <a:r>
+              <a:rPr lang="en-US" dirty="0" err="1">
+                <a:solidFill>
+                  <a:srgbClr val="000000"/>
+                </a:solidFill>
+                <a:latin typeface="Consolas" panose="020B0609020204030204" pitchFamily="49" charset="0"/>
+              </a:rPr>
+              <a:t>GetSymetry</a:t>
+            </a:r>
+            <a:r>
+              <a:rPr lang="en-US" dirty="0" smtClean="0">
+                <a:solidFill>
+                  <a:srgbClr val="000000"/>
+                </a:solidFill>
+                <a:latin typeface="Consolas" panose="020B0609020204030204" pitchFamily="49" charset="0"/>
+              </a:rPr>
+              <a:t>();</a:t>
+            </a:r>
+            <a:endParaRPr lang="en-US" dirty="0">
+              <a:solidFill>
+                <a:srgbClr val="000000"/>
+              </a:solidFill>
+              <a:latin typeface="Consolas" panose="020B0609020204030204" pitchFamily="49" charset="0"/>
+            </a:endParaRPr>
+          </a:p>
+          <a:p>
+            <a:pPr marL="0" indent="0">
+              <a:buNone/>
+            </a:pPr>
+            <a:endParaRPr lang="en-US" dirty="0" smtClean="0">
               <a:solidFill>
                 <a:srgbClr val="0000FF"/>
               </a:solidFill>
               <a:latin typeface="Consolas" panose="020B0609020204030204" pitchFamily="49" charset="0"/>
             </a:endParaRPr>
           </a:p>
+          <a:p>
+            <a:pPr marL="0" indent="0">
+              <a:buNone/>
+            </a:pPr>
+            <a:r>
+              <a:rPr lang="en-US" dirty="0" smtClean="0">
+                <a:solidFill>
+                  <a:srgbClr val="0000FF"/>
+                </a:solidFill>
+                <a:latin typeface="Consolas" panose="020B0609020204030204" pitchFamily="49" charset="0"/>
+              </a:rPr>
+              <a:t>private</a:t>
+            </a:r>
+            <a:r>
+              <a:rPr lang="en-US" dirty="0">
+                <a:solidFill>
+                  <a:srgbClr val="000000"/>
+                </a:solidFill>
+                <a:latin typeface="Consolas" panose="020B0609020204030204" pitchFamily="49" charset="0"/>
+              </a:rPr>
+              <a:t>:</a:t>
+            </a:r>
+          </a:p>
+          <a:p>
+            <a:pPr marL="274320" lvl="1" indent="0">
+              <a:buNone/>
+            </a:pPr>
+            <a:r>
+              <a:rPr lang="en-US" dirty="0">
+                <a:solidFill>
+                  <a:srgbClr val="0000FF"/>
+                </a:solidFill>
+                <a:latin typeface="Consolas" panose="020B0609020204030204" pitchFamily="49" charset="0"/>
+              </a:rPr>
+              <a:t>double</a:t>
+            </a:r>
+            <a:r>
+              <a:rPr lang="en-US" dirty="0">
+                <a:solidFill>
+                  <a:srgbClr val="000000"/>
+                </a:solidFill>
+                <a:latin typeface="Consolas" panose="020B0609020204030204" pitchFamily="49" charset="0"/>
+              </a:rPr>
+              <a:t> </a:t>
+            </a:r>
+            <a:r>
+              <a:rPr lang="en-US" dirty="0" err="1">
+                <a:solidFill>
+                  <a:srgbClr val="000000"/>
+                </a:solidFill>
+                <a:latin typeface="Consolas" panose="020B0609020204030204" pitchFamily="49" charset="0"/>
+              </a:rPr>
+              <a:t>m_x</a:t>
+            </a:r>
+            <a:r>
+              <a:rPr lang="en-US" dirty="0">
+                <a:solidFill>
+                  <a:srgbClr val="000000"/>
+                </a:solidFill>
+                <a:latin typeface="Consolas" panose="020B0609020204030204" pitchFamily="49" charset="0"/>
+              </a:rPr>
+              <a:t>;</a:t>
+            </a:r>
+          </a:p>
+          <a:p>
+            <a:pPr marL="274320" lvl="1" indent="0">
+              <a:buNone/>
+            </a:pPr>
+            <a:r>
+              <a:rPr lang="en-US" dirty="0">
+                <a:solidFill>
+                  <a:srgbClr val="0000FF"/>
+                </a:solidFill>
+                <a:latin typeface="Consolas" panose="020B0609020204030204" pitchFamily="49" charset="0"/>
+              </a:rPr>
+              <a:t>double</a:t>
+            </a:r>
+            <a:r>
+              <a:rPr lang="en-US" dirty="0">
+                <a:solidFill>
+                  <a:srgbClr val="000000"/>
+                </a:solidFill>
+                <a:latin typeface="Consolas" panose="020B0609020204030204" pitchFamily="49" charset="0"/>
+              </a:rPr>
+              <a:t> </a:t>
+            </a:r>
+            <a:r>
+              <a:rPr lang="en-US" dirty="0" err="1">
+                <a:solidFill>
+                  <a:srgbClr val="000000"/>
+                </a:solidFill>
+                <a:latin typeface="Consolas" panose="020B0609020204030204" pitchFamily="49" charset="0"/>
+              </a:rPr>
+              <a:t>m_y</a:t>
+            </a:r>
+            <a:r>
+              <a:rPr lang="en-US" dirty="0">
+                <a:solidFill>
+                  <a:srgbClr val="000000"/>
+                </a:solidFill>
+                <a:latin typeface="Consolas" panose="020B0609020204030204" pitchFamily="49" charset="0"/>
+              </a:rPr>
+              <a:t>;</a:t>
+            </a:r>
+          </a:p>
+          <a:p>
+            <a:pPr marL="274320" lvl="1" indent="0">
+              <a:buNone/>
+            </a:pPr>
+            <a:r>
+              <a:rPr lang="en-US" dirty="0">
+                <a:solidFill>
+                  <a:srgbClr val="0000FF"/>
+                </a:solidFill>
+                <a:latin typeface="Consolas" panose="020B0609020204030204" pitchFamily="49" charset="0"/>
+              </a:rPr>
+              <a:t>double</a:t>
+            </a:r>
+            <a:r>
+              <a:rPr lang="en-US" dirty="0">
+                <a:solidFill>
+                  <a:srgbClr val="000000"/>
+                </a:solidFill>
+                <a:latin typeface="Consolas" panose="020B0609020204030204" pitchFamily="49" charset="0"/>
+              </a:rPr>
+              <a:t> </a:t>
+            </a:r>
+            <a:r>
+              <a:rPr lang="en-US" dirty="0" err="1">
+                <a:solidFill>
+                  <a:srgbClr val="000000"/>
+                </a:solidFill>
+                <a:latin typeface="Consolas" panose="020B0609020204030204" pitchFamily="49" charset="0"/>
+              </a:rPr>
+              <a:t>m_z</a:t>
+            </a:r>
+            <a:r>
+              <a:rPr lang="en-US" dirty="0">
+                <a:solidFill>
+                  <a:srgbClr val="000000"/>
+                </a:solidFill>
+                <a:latin typeface="Consolas" panose="020B0609020204030204" pitchFamily="49" charset="0"/>
+              </a:rPr>
+              <a:t>;</a:t>
+            </a:r>
+          </a:p>
+          <a:p>
+            <a:pPr marL="0" indent="0">
+              <a:buNone/>
+            </a:pPr>
+            <a:r>
+              <a:rPr lang="en-US" dirty="0">
+                <a:solidFill>
+                  <a:srgbClr val="000000"/>
+                </a:solidFill>
+                <a:latin typeface="Consolas" panose="020B0609020204030204" pitchFamily="49" charset="0"/>
+              </a:rPr>
+              <a:t>};</a:t>
+            </a:r>
+            <a:endParaRPr lang="en-US" dirty="0"/>
+          </a:p>
         </p:txBody>
       </p:sp>
     </p:spTree>
     <p:extLst>
       <p:ext uri="{BB962C8B-B14F-4D97-AF65-F5344CB8AC3E}">
-        <p14:creationId xmlns:p14="http://schemas.microsoft.com/office/powerpoint/2010/main" val="135344374"/>
+        <p14:creationId xmlns:p14="http://schemas.microsoft.com/office/powerpoint/2010/main" val="3270518214"/>
       </p:ext>
     </p:extLst>
   </p:cSld>
   <p:clrMapOvr>
     <a:masterClrMapping/>
   </p:clrMapOvr>
-  <p:timing>
-    <p:tnLst>
-      <p:par>
-        <p:cTn id="1" dur="indefinite" restart="never" nodeType="tmRoot"/>
-      </p:par>
-    </p:tnLst>
-  </p:timing>
 </p:sld>
 </file>
 
@@ -7383,14 +8059,21 @@
             <p:ph type="title"/>
           </p:nvPr>
         </p:nvSpPr>
-        <p:spPr/>
+        <p:spPr>
+          <a:xfrm>
+            <a:off x="1069848" y="484632"/>
+            <a:ext cx="10058400" cy="577814"/>
+          </a:xfrm>
+        </p:spPr>
         <p:txBody>
-          <a:bodyPr/>
+          <a:bodyPr>
+            <a:normAutofit fontScale="90000"/>
+          </a:bodyPr>
           <a:lstStyle/>
           <a:p>
             <a:r>
               <a:rPr lang="en-US" dirty="0" smtClean="0"/>
-              <a:t>Solution:</a:t>
+              <a:t>eXAm1: Problem1 Implement Methods(2)</a:t>
             </a:r>
             <a:endParaRPr lang="en-US" dirty="0"/>
           </a:p>
@@ -7406,10 +8089,15 @@
             <p:ph idx="1"/>
           </p:nvPr>
         </p:nvSpPr>
-        <p:spPr/>
+        <p:spPr>
+          <a:xfrm>
+            <a:off x="121920" y="1219200"/>
+            <a:ext cx="11006328" cy="5638800"/>
+          </a:xfrm>
+        </p:spPr>
         <p:txBody>
           <a:bodyPr>
-            <a:normAutofit fontScale="92500" lnSpcReduction="20000"/>
+            <a:normAutofit/>
           </a:bodyPr>
           <a:lstStyle/>
           <a:p>
@@ -7419,12 +8107,295 @@
             <a:r>
               <a:rPr lang="en-US" dirty="0">
                 <a:solidFill>
-                  <a:srgbClr val="008000"/>
-                </a:solidFill>
-                <a:latin typeface="Consolas" panose="020B0609020204030204" pitchFamily="49" charset="0"/>
-              </a:rPr>
-              <a:t>//A)</a:t>
-            </a:r>
+                  <a:srgbClr val="0000FF"/>
+                </a:solidFill>
+                <a:latin typeface="Consolas" panose="020B0609020204030204" pitchFamily="49" charset="0"/>
+              </a:rPr>
+              <a:t>class</a:t>
+            </a:r>
+            <a:r>
+              <a:rPr lang="en-US" dirty="0">
+                <a:solidFill>
+                  <a:srgbClr val="000000"/>
+                </a:solidFill>
+                <a:latin typeface="Consolas" panose="020B0609020204030204" pitchFamily="49" charset="0"/>
+              </a:rPr>
+              <a:t> Triangle</a:t>
+            </a:r>
+          </a:p>
+          <a:p>
+            <a:pPr marL="0" indent="0">
+              <a:buNone/>
+            </a:pPr>
+            <a:r>
+              <a:rPr lang="en-US" dirty="0">
+                <a:solidFill>
+                  <a:srgbClr val="000000"/>
+                </a:solidFill>
+                <a:latin typeface="Consolas" panose="020B0609020204030204" pitchFamily="49" charset="0"/>
+              </a:rPr>
+              <a:t>{</a:t>
+            </a:r>
+          </a:p>
+          <a:p>
+            <a:pPr marL="0" indent="0">
+              <a:buNone/>
+            </a:pPr>
+            <a:r>
+              <a:rPr lang="en-US" dirty="0">
+                <a:solidFill>
+                  <a:srgbClr val="0000FF"/>
+                </a:solidFill>
+                <a:latin typeface="Consolas" panose="020B0609020204030204" pitchFamily="49" charset="0"/>
+              </a:rPr>
+              <a:t>public</a:t>
+            </a:r>
+            <a:r>
+              <a:rPr lang="en-US" dirty="0">
+                <a:solidFill>
+                  <a:srgbClr val="000000"/>
+                </a:solidFill>
+                <a:latin typeface="Consolas" panose="020B0609020204030204" pitchFamily="49" charset="0"/>
+              </a:rPr>
+              <a:t>:</a:t>
+            </a:r>
+          </a:p>
+          <a:p>
+            <a:pPr marL="274320" lvl="1" indent="0">
+              <a:buNone/>
+            </a:pPr>
+            <a:r>
+              <a:rPr lang="en-US" dirty="0">
+                <a:solidFill>
+                  <a:srgbClr val="000000"/>
+                </a:solidFill>
+                <a:latin typeface="Consolas" panose="020B0609020204030204" pitchFamily="49" charset="0"/>
+              </a:rPr>
+              <a:t>Triangle();</a:t>
+            </a:r>
+          </a:p>
+          <a:p>
+            <a:pPr marL="274320" lvl="1" indent="0">
+              <a:buNone/>
+            </a:pPr>
+            <a:r>
+              <a:rPr lang="en-US" dirty="0">
+                <a:solidFill>
+                  <a:srgbClr val="0000FF"/>
+                </a:solidFill>
+                <a:latin typeface="Consolas" panose="020B0609020204030204" pitchFamily="49" charset="0"/>
+              </a:rPr>
+              <a:t>void</a:t>
+            </a:r>
+            <a:r>
+              <a:rPr lang="en-US" dirty="0">
+                <a:solidFill>
+                  <a:srgbClr val="000000"/>
+                </a:solidFill>
+                <a:latin typeface="Consolas" panose="020B0609020204030204" pitchFamily="49" charset="0"/>
+              </a:rPr>
+              <a:t> </a:t>
+            </a:r>
+            <a:r>
+              <a:rPr lang="en-US" dirty="0" err="1">
+                <a:solidFill>
+                  <a:srgbClr val="000000"/>
+                </a:solidFill>
+                <a:latin typeface="Consolas" panose="020B0609020204030204" pitchFamily="49" charset="0"/>
+              </a:rPr>
+              <a:t>SetA</a:t>
+            </a:r>
+            <a:r>
+              <a:rPr lang="en-US" dirty="0">
+                <a:solidFill>
+                  <a:srgbClr val="000000"/>
+                </a:solidFill>
+                <a:latin typeface="Consolas" panose="020B0609020204030204" pitchFamily="49" charset="0"/>
+              </a:rPr>
+              <a:t>(</a:t>
+            </a:r>
+            <a:r>
+              <a:rPr lang="en-US" dirty="0" err="1">
+                <a:solidFill>
+                  <a:srgbClr val="0000FF"/>
+                </a:solidFill>
+                <a:latin typeface="Consolas" panose="020B0609020204030204" pitchFamily="49" charset="0"/>
+              </a:rPr>
+              <a:t>const</a:t>
+            </a:r>
+            <a:r>
+              <a:rPr lang="en-US" dirty="0">
+                <a:solidFill>
+                  <a:srgbClr val="000000"/>
+                </a:solidFill>
+                <a:latin typeface="Consolas" panose="020B0609020204030204" pitchFamily="49" charset="0"/>
+              </a:rPr>
+              <a:t> Point3&amp;);</a:t>
+            </a:r>
+          </a:p>
+          <a:p>
+            <a:pPr marL="274320" lvl="1" indent="0">
+              <a:buNone/>
+            </a:pPr>
+            <a:r>
+              <a:rPr lang="en-US" dirty="0">
+                <a:solidFill>
+                  <a:srgbClr val="0000FF"/>
+                </a:solidFill>
+                <a:latin typeface="Consolas" panose="020B0609020204030204" pitchFamily="49" charset="0"/>
+              </a:rPr>
+              <a:t>void</a:t>
+            </a:r>
+            <a:r>
+              <a:rPr lang="en-US" dirty="0">
+                <a:solidFill>
+                  <a:srgbClr val="000000"/>
+                </a:solidFill>
+                <a:latin typeface="Consolas" panose="020B0609020204030204" pitchFamily="49" charset="0"/>
+              </a:rPr>
+              <a:t> </a:t>
+            </a:r>
+            <a:r>
+              <a:rPr lang="en-US" dirty="0" err="1">
+                <a:solidFill>
+                  <a:srgbClr val="000000"/>
+                </a:solidFill>
+                <a:latin typeface="Consolas" panose="020B0609020204030204" pitchFamily="49" charset="0"/>
+              </a:rPr>
+              <a:t>SetB</a:t>
+            </a:r>
+            <a:r>
+              <a:rPr lang="en-US" dirty="0">
+                <a:solidFill>
+                  <a:srgbClr val="000000"/>
+                </a:solidFill>
+                <a:latin typeface="Consolas" panose="020B0609020204030204" pitchFamily="49" charset="0"/>
+              </a:rPr>
+              <a:t>(</a:t>
+            </a:r>
+            <a:r>
+              <a:rPr lang="en-US" dirty="0" err="1">
+                <a:solidFill>
+                  <a:srgbClr val="0000FF"/>
+                </a:solidFill>
+                <a:latin typeface="Consolas" panose="020B0609020204030204" pitchFamily="49" charset="0"/>
+              </a:rPr>
+              <a:t>const</a:t>
+            </a:r>
+            <a:r>
+              <a:rPr lang="en-US" dirty="0">
+                <a:solidFill>
+                  <a:srgbClr val="000000"/>
+                </a:solidFill>
+                <a:latin typeface="Consolas" panose="020B0609020204030204" pitchFamily="49" charset="0"/>
+              </a:rPr>
+              <a:t> Point3&amp;);</a:t>
+            </a:r>
+          </a:p>
+          <a:p>
+            <a:pPr marL="274320" lvl="1" indent="0">
+              <a:buNone/>
+            </a:pPr>
+            <a:r>
+              <a:rPr lang="en-US" dirty="0">
+                <a:solidFill>
+                  <a:srgbClr val="0000FF"/>
+                </a:solidFill>
+                <a:latin typeface="Consolas" panose="020B0609020204030204" pitchFamily="49" charset="0"/>
+              </a:rPr>
+              <a:t>void</a:t>
+            </a:r>
+            <a:r>
+              <a:rPr lang="en-US" dirty="0">
+                <a:solidFill>
+                  <a:srgbClr val="000000"/>
+                </a:solidFill>
+                <a:latin typeface="Consolas" panose="020B0609020204030204" pitchFamily="49" charset="0"/>
+              </a:rPr>
+              <a:t> </a:t>
+            </a:r>
+            <a:r>
+              <a:rPr lang="en-US" dirty="0" err="1">
+                <a:solidFill>
+                  <a:srgbClr val="000000"/>
+                </a:solidFill>
+                <a:latin typeface="Consolas" panose="020B0609020204030204" pitchFamily="49" charset="0"/>
+              </a:rPr>
+              <a:t>SetC</a:t>
+            </a:r>
+            <a:r>
+              <a:rPr lang="en-US" dirty="0">
+                <a:solidFill>
+                  <a:srgbClr val="000000"/>
+                </a:solidFill>
+                <a:latin typeface="Consolas" panose="020B0609020204030204" pitchFamily="49" charset="0"/>
+              </a:rPr>
+              <a:t>(</a:t>
+            </a:r>
+            <a:r>
+              <a:rPr lang="en-US" dirty="0" err="1">
+                <a:solidFill>
+                  <a:srgbClr val="0000FF"/>
+                </a:solidFill>
+                <a:latin typeface="Consolas" panose="020B0609020204030204" pitchFamily="49" charset="0"/>
+              </a:rPr>
+              <a:t>const</a:t>
+            </a:r>
+            <a:r>
+              <a:rPr lang="en-US" dirty="0">
+                <a:solidFill>
+                  <a:srgbClr val="000000"/>
+                </a:solidFill>
+                <a:latin typeface="Consolas" panose="020B0609020204030204" pitchFamily="49" charset="0"/>
+              </a:rPr>
+              <a:t> Point3&amp;);</a:t>
+            </a:r>
+          </a:p>
+          <a:p>
+            <a:pPr marL="274320" lvl="1" indent="0">
+              <a:buNone/>
+            </a:pPr>
+            <a:r>
+              <a:rPr lang="en-US" dirty="0">
+                <a:solidFill>
+                  <a:srgbClr val="0000FF"/>
+                </a:solidFill>
+                <a:latin typeface="Consolas" panose="020B0609020204030204" pitchFamily="49" charset="0"/>
+              </a:rPr>
+              <a:t>double</a:t>
+            </a:r>
+            <a:r>
+              <a:rPr lang="en-US" dirty="0">
+                <a:solidFill>
+                  <a:srgbClr val="000000"/>
+                </a:solidFill>
+                <a:latin typeface="Consolas" panose="020B0609020204030204" pitchFamily="49" charset="0"/>
+              </a:rPr>
+              <a:t> </a:t>
+            </a:r>
+            <a:r>
+              <a:rPr lang="en-US" dirty="0" err="1">
+                <a:solidFill>
+                  <a:srgbClr val="000000"/>
+                </a:solidFill>
+                <a:latin typeface="Consolas" panose="020B0609020204030204" pitchFamily="49" charset="0"/>
+              </a:rPr>
+              <a:t>GetPerimeter</a:t>
+            </a:r>
+            <a:r>
+              <a:rPr lang="en-US" dirty="0" smtClean="0">
+                <a:solidFill>
+                  <a:srgbClr val="000000"/>
+                </a:solidFill>
+                <a:latin typeface="Consolas" panose="020B0609020204030204" pitchFamily="49" charset="0"/>
+              </a:rPr>
+              <a:t>();</a:t>
+            </a:r>
+          </a:p>
+          <a:p>
+            <a:pPr marL="274320" lvl="1" indent="0">
+              <a:buNone/>
+            </a:pPr>
             <a:endParaRPr lang="en-US" dirty="0">
               <a:solidFill>
                 <a:srgbClr val="000000"/>
@@ -7437,22 +8408,68 @@
               <a:buNone/>
             </a:pPr>
             <a:r>
+              <a:rPr lang="en-US" dirty="0">
+                <a:solidFill>
+                  <a:srgbClr val="0000FF"/>
+                </a:solidFill>
+                <a:latin typeface="Consolas" panose="020B0609020204030204" pitchFamily="49" charset="0"/>
+              </a:rPr>
+              <a:t>private</a:t>
+            </a:r>
+            <a:r>
+              <a:rPr lang="en-US" dirty="0">
+                <a:solidFill>
+                  <a:srgbClr val="000000"/>
+                </a:solidFill>
+                <a:latin typeface="Consolas" panose="020B0609020204030204" pitchFamily="49" charset="0"/>
+              </a:rPr>
+              <a:t>:</a:t>
+            </a:r>
+          </a:p>
+          <a:p>
+            <a:pPr marL="274320" lvl="1" indent="0">
+              <a:buNone/>
+            </a:pPr>
+            <a:r>
+              <a:rPr lang="en-US" dirty="0">
+                <a:solidFill>
+                  <a:srgbClr val="000000"/>
+                </a:solidFill>
+                <a:latin typeface="Consolas" panose="020B0609020204030204" pitchFamily="49" charset="0"/>
+              </a:rPr>
+              <a:t>Point3 </a:t>
+            </a:r>
+            <a:r>
               <a:rPr lang="en-US" dirty="0" err="1">
                 <a:solidFill>
-                  <a:srgbClr val="2B91AF"/>
-                </a:solidFill>
-                <a:latin typeface="Consolas" panose="020B0609020204030204" pitchFamily="49" charset="0"/>
-              </a:rPr>
-              <a:t>ofstream</a:t>
-            </a:r>
-            <a:r>
-              <a:rPr lang="en-US" dirty="0">
-                <a:solidFill>
-                  <a:srgbClr val="000000"/>
-                </a:solidFill>
-                <a:latin typeface="Consolas" panose="020B0609020204030204" pitchFamily="49" charset="0"/>
-              </a:rPr>
-              <a:t> </a:t>
+                  <a:srgbClr val="000000"/>
+                </a:solidFill>
+                <a:latin typeface="Consolas" panose="020B0609020204030204" pitchFamily="49" charset="0"/>
+              </a:rPr>
+              <a:t>m_a</a:t>
+            </a:r>
+            <a:r>
+              <a:rPr lang="en-US" dirty="0">
+                <a:solidFill>
+                  <a:srgbClr val="000000"/>
+                </a:solidFill>
+                <a:latin typeface="Consolas" panose="020B0609020204030204" pitchFamily="49" charset="0"/>
+              </a:rPr>
+              <a:t>;</a:t>
+            </a:r>
+          </a:p>
+          <a:p>
+            <a:pPr marL="274320" lvl="1" indent="0">
+              <a:buNone/>
+            </a:pPr>
+            <a:r>
+              <a:rPr lang="en-US" dirty="0">
+                <a:solidFill>
+                  <a:srgbClr val="000000"/>
+                </a:solidFill>
+                <a:latin typeface="Consolas" panose="020B0609020204030204" pitchFamily="49" charset="0"/>
+              </a:rPr>
+              <a:t>Point3 </a:t>
             </a:r>
             <a:r>
               <a:rPr lang="en-US" dirty="0" err="1">
@@ -7461,427 +8478,62 @@
                 </a:solidFill>
                 <a:latin typeface="Consolas" panose="020B0609020204030204" pitchFamily="49" charset="0"/>
               </a:rPr>
-              <a:t>myfile</a:t>
-            </a:r>
-            <a:r>
-              <a:rPr lang="en-US" dirty="0">
-                <a:solidFill>
-                  <a:srgbClr val="000000"/>
-                </a:solidFill>
-                <a:latin typeface="Consolas" panose="020B0609020204030204" pitchFamily="49" charset="0"/>
-              </a:rPr>
-              <a:t>; </a:t>
-            </a:r>
-            <a:r>
-              <a:rPr lang="en-US" dirty="0">
-                <a:solidFill>
-                  <a:srgbClr val="008000"/>
-                </a:solidFill>
-                <a:latin typeface="Consolas" panose="020B0609020204030204" pitchFamily="49" charset="0"/>
-              </a:rPr>
-              <a:t>// Static or on the stack</a:t>
-            </a:r>
-            <a:endParaRPr lang="en-US" dirty="0">
-              <a:solidFill>
-                <a:srgbClr val="000000"/>
-              </a:solidFill>
-              <a:latin typeface="Consolas" panose="020B0609020204030204" pitchFamily="49" charset="0"/>
-            </a:endParaRPr>
+              <a:t>m_b</a:t>
+            </a:r>
+            <a:r>
+              <a:rPr lang="en-US" dirty="0">
+                <a:solidFill>
+                  <a:srgbClr val="000000"/>
+                </a:solidFill>
+                <a:latin typeface="Consolas" panose="020B0609020204030204" pitchFamily="49" charset="0"/>
+              </a:rPr>
+              <a:t>;</a:t>
+            </a:r>
+          </a:p>
+          <a:p>
+            <a:pPr marL="274320" lvl="1" indent="0">
+              <a:buNone/>
+            </a:pPr>
+            <a:r>
+              <a:rPr lang="en-US" dirty="0">
+                <a:solidFill>
+                  <a:srgbClr val="000000"/>
+                </a:solidFill>
+                <a:latin typeface="Consolas" panose="020B0609020204030204" pitchFamily="49" charset="0"/>
+              </a:rPr>
+              <a:t>Point3 </a:t>
+            </a:r>
+            <a:r>
+              <a:rPr lang="en-US" dirty="0" err="1">
+                <a:solidFill>
+                  <a:srgbClr val="000000"/>
+                </a:solidFill>
+                <a:latin typeface="Consolas" panose="020B0609020204030204" pitchFamily="49" charset="0"/>
+              </a:rPr>
+              <a:t>m_c</a:t>
+            </a:r>
+            <a:r>
+              <a:rPr lang="en-US" dirty="0">
+                <a:solidFill>
+                  <a:srgbClr val="000000"/>
+                </a:solidFill>
+                <a:latin typeface="Consolas" panose="020B0609020204030204" pitchFamily="49" charset="0"/>
+              </a:rPr>
+              <a:t>;</a:t>
+            </a:r>
           </a:p>
           <a:p>
             <a:pPr marL="0" indent="0">
               <a:buNone/>
             </a:pPr>
             <a:r>
-              <a:rPr lang="en-US" dirty="0" err="1">
-                <a:solidFill>
-                  <a:srgbClr val="000000"/>
-                </a:solidFill>
-                <a:latin typeface="Consolas" panose="020B0609020204030204" pitchFamily="49" charset="0"/>
-              </a:rPr>
-              <a:t>myfile.open</a:t>
-            </a:r>
-            <a:r>
-              <a:rPr lang="en-US" dirty="0">
-                <a:solidFill>
-                  <a:srgbClr val="000000"/>
-                </a:solidFill>
-                <a:latin typeface="Consolas" panose="020B0609020204030204" pitchFamily="49" charset="0"/>
-              </a:rPr>
-              <a:t>(</a:t>
-            </a:r>
-            <a:r>
-              <a:rPr lang="en-US" dirty="0">
-                <a:solidFill>
-                  <a:srgbClr val="A31515"/>
-                </a:solidFill>
-                <a:latin typeface="Consolas" panose="020B0609020204030204" pitchFamily="49" charset="0"/>
-              </a:rPr>
-              <a:t>"myFirstFile.txt"</a:t>
-            </a:r>
-            <a:r>
-              <a:rPr lang="en-US" dirty="0">
-                <a:solidFill>
-                  <a:srgbClr val="000000"/>
-                </a:solidFill>
-                <a:latin typeface="Consolas" panose="020B0609020204030204" pitchFamily="49" charset="0"/>
-              </a:rPr>
-              <a:t>);</a:t>
-            </a:r>
-          </a:p>
-          <a:p>
-            <a:pPr marL="0" indent="0">
-              <a:buNone/>
-            </a:pPr>
-            <a:r>
-              <a:rPr lang="en-US" dirty="0" err="1">
-                <a:solidFill>
-                  <a:srgbClr val="000000"/>
-                </a:solidFill>
-                <a:latin typeface="Consolas" panose="020B0609020204030204" pitchFamily="49" charset="0"/>
-              </a:rPr>
-              <a:t>myfile</a:t>
-            </a:r>
-            <a:r>
-              <a:rPr lang="en-US" dirty="0">
-                <a:solidFill>
-                  <a:srgbClr val="000000"/>
-                </a:solidFill>
-                <a:latin typeface="Consolas" panose="020B0609020204030204" pitchFamily="49" charset="0"/>
-              </a:rPr>
-              <a:t> </a:t>
-            </a:r>
-            <a:r>
-              <a:rPr lang="en-US" dirty="0">
-                <a:solidFill>
-                  <a:srgbClr val="008080"/>
-                </a:solidFill>
-                <a:latin typeface="Consolas" panose="020B0609020204030204" pitchFamily="49" charset="0"/>
-              </a:rPr>
-              <a:t>&lt;&lt;</a:t>
-            </a:r>
-            <a:r>
-              <a:rPr lang="en-US" dirty="0">
-                <a:solidFill>
-                  <a:srgbClr val="000000"/>
-                </a:solidFill>
-                <a:latin typeface="Consolas" panose="020B0609020204030204" pitchFamily="49" charset="0"/>
-              </a:rPr>
-              <a:t> </a:t>
-            </a:r>
-            <a:r>
-              <a:rPr lang="en-US" dirty="0">
-                <a:solidFill>
-                  <a:srgbClr val="A31515"/>
-                </a:solidFill>
-                <a:latin typeface="Consolas" panose="020B0609020204030204" pitchFamily="49" charset="0"/>
-              </a:rPr>
-              <a:t>"Hello stream.\n"</a:t>
-            </a:r>
-            <a:r>
-              <a:rPr lang="en-US" dirty="0">
-                <a:solidFill>
-                  <a:srgbClr val="000000"/>
-                </a:solidFill>
-                <a:latin typeface="Consolas" panose="020B0609020204030204" pitchFamily="49" charset="0"/>
-              </a:rPr>
-              <a:t>;</a:t>
-            </a:r>
-          </a:p>
-          <a:p>
-            <a:pPr marL="0" indent="0">
-              <a:buNone/>
-            </a:pPr>
-            <a:r>
-              <a:rPr lang="en-US" dirty="0" err="1">
-                <a:solidFill>
-                  <a:srgbClr val="000000"/>
-                </a:solidFill>
-                <a:latin typeface="Consolas" panose="020B0609020204030204" pitchFamily="49" charset="0"/>
-              </a:rPr>
-              <a:t>myfile.close</a:t>
-            </a:r>
-            <a:r>
-              <a:rPr lang="en-US" dirty="0">
-                <a:solidFill>
-                  <a:srgbClr val="000000"/>
-                </a:solidFill>
-                <a:latin typeface="Consolas" panose="020B0609020204030204" pitchFamily="49" charset="0"/>
-              </a:rPr>
-              <a:t>();</a:t>
-            </a:r>
-          </a:p>
-          <a:p>
-            <a:pPr marL="0" indent="0">
-              <a:buNone/>
-            </a:pPr>
-            <a:endParaRPr lang="en-US" dirty="0">
-              <a:solidFill>
-                <a:srgbClr val="000000"/>
-              </a:solidFill>
-              <a:latin typeface="Consolas" panose="020B0609020204030204" pitchFamily="49" charset="0"/>
-            </a:endParaRPr>
-          </a:p>
-          <a:p>
-            <a:pPr marL="0" indent="0">
-              <a:buNone/>
-            </a:pPr>
-            <a:r>
-              <a:rPr lang="en-US" dirty="0">
-                <a:solidFill>
-                  <a:srgbClr val="008000"/>
-                </a:solidFill>
-                <a:latin typeface="Consolas" panose="020B0609020204030204" pitchFamily="49" charset="0"/>
-              </a:rPr>
-              <a:t>//B)</a:t>
-            </a:r>
-            <a:endParaRPr lang="en-US" dirty="0">
-              <a:solidFill>
-                <a:srgbClr val="000000"/>
-              </a:solidFill>
-              <a:latin typeface="Consolas" panose="020B0609020204030204" pitchFamily="49" charset="0"/>
-            </a:endParaRPr>
-          </a:p>
-          <a:p>
-            <a:pPr marL="0" indent="0">
-              <a:buNone/>
-            </a:pPr>
-            <a:r>
-              <a:rPr lang="en-US" dirty="0" err="1">
-                <a:solidFill>
-                  <a:srgbClr val="2B91AF"/>
-                </a:solidFill>
-                <a:latin typeface="Consolas" panose="020B0609020204030204" pitchFamily="49" charset="0"/>
-              </a:rPr>
-              <a:t>ofstream</a:t>
-            </a:r>
-            <a:r>
-              <a:rPr lang="en-US" dirty="0">
-                <a:solidFill>
-                  <a:srgbClr val="000000"/>
-                </a:solidFill>
-                <a:latin typeface="Consolas" panose="020B0609020204030204" pitchFamily="49" charset="0"/>
-              </a:rPr>
-              <a:t>* </a:t>
-            </a:r>
-            <a:r>
-              <a:rPr lang="en-US" dirty="0" err="1">
-                <a:solidFill>
-                  <a:srgbClr val="000000"/>
-                </a:solidFill>
-                <a:latin typeface="Consolas" panose="020B0609020204030204" pitchFamily="49" charset="0"/>
-              </a:rPr>
-              <a:t>pMyFile</a:t>
-            </a:r>
-            <a:r>
-              <a:rPr lang="en-US" dirty="0">
-                <a:solidFill>
-                  <a:srgbClr val="000000"/>
-                </a:solidFill>
-                <a:latin typeface="Consolas" panose="020B0609020204030204" pitchFamily="49" charset="0"/>
-              </a:rPr>
-              <a:t> = </a:t>
-            </a:r>
-            <a:r>
-              <a:rPr lang="en-US" dirty="0">
-                <a:solidFill>
-                  <a:srgbClr val="0000FF"/>
-                </a:solidFill>
-                <a:latin typeface="Consolas" panose="020B0609020204030204" pitchFamily="49" charset="0"/>
-              </a:rPr>
-              <a:t>new</a:t>
-            </a:r>
-            <a:r>
-              <a:rPr lang="en-US" dirty="0">
-                <a:solidFill>
-                  <a:srgbClr val="000000"/>
-                </a:solidFill>
-                <a:latin typeface="Consolas" panose="020B0609020204030204" pitchFamily="49" charset="0"/>
-              </a:rPr>
-              <a:t> </a:t>
-            </a:r>
-            <a:r>
-              <a:rPr lang="en-US" dirty="0" err="1">
-                <a:solidFill>
-                  <a:srgbClr val="2B91AF"/>
-                </a:solidFill>
-                <a:latin typeface="Consolas" panose="020B0609020204030204" pitchFamily="49" charset="0"/>
-              </a:rPr>
-              <a:t>ofstream</a:t>
-            </a:r>
-            <a:r>
-              <a:rPr lang="en-US" dirty="0">
-                <a:solidFill>
-                  <a:srgbClr val="000000"/>
-                </a:solidFill>
-                <a:latin typeface="Consolas" panose="020B0609020204030204" pitchFamily="49" charset="0"/>
-              </a:rPr>
-              <a:t>; </a:t>
-            </a:r>
-            <a:r>
-              <a:rPr lang="en-US" dirty="0">
-                <a:solidFill>
-                  <a:srgbClr val="008000"/>
-                </a:solidFill>
-                <a:latin typeface="Consolas" panose="020B0609020204030204" pitchFamily="49" charset="0"/>
-              </a:rPr>
-              <a:t>// On the heap</a:t>
-            </a:r>
-            <a:endParaRPr lang="en-US" dirty="0">
-              <a:solidFill>
-                <a:srgbClr val="000000"/>
-              </a:solidFill>
-              <a:latin typeface="Consolas" panose="020B0609020204030204" pitchFamily="49" charset="0"/>
-            </a:endParaRPr>
-          </a:p>
-          <a:p>
-            <a:pPr marL="0" indent="0">
-              <a:buNone/>
-            </a:pPr>
-            <a:r>
-              <a:rPr lang="en-US" dirty="0" err="1">
-                <a:solidFill>
-                  <a:srgbClr val="000000"/>
-                </a:solidFill>
-                <a:latin typeface="Consolas" panose="020B0609020204030204" pitchFamily="49" charset="0"/>
-              </a:rPr>
-              <a:t>pMyFile</a:t>
-            </a:r>
-            <a:r>
-              <a:rPr lang="en-US" dirty="0">
-                <a:solidFill>
-                  <a:srgbClr val="000000"/>
-                </a:solidFill>
-                <a:latin typeface="Consolas" panose="020B0609020204030204" pitchFamily="49" charset="0"/>
-              </a:rPr>
-              <a:t>-&gt;open(</a:t>
-            </a:r>
-            <a:r>
-              <a:rPr lang="en-US" dirty="0">
-                <a:solidFill>
-                  <a:srgbClr val="A31515"/>
-                </a:solidFill>
-                <a:latin typeface="Consolas" panose="020B0609020204030204" pitchFamily="49" charset="0"/>
-              </a:rPr>
-              <a:t>"</a:t>
-            </a:r>
-            <a:r>
-              <a:rPr lang="en-US" dirty="0" smtClean="0">
-                <a:solidFill>
-                  <a:srgbClr val="A31515"/>
-                </a:solidFill>
-                <a:latin typeface="Consolas" panose="020B0609020204030204" pitchFamily="49" charset="0"/>
-              </a:rPr>
-              <a:t>myFirstFile.txt</a:t>
-            </a:r>
-            <a:r>
-              <a:rPr lang="en-US" dirty="0">
-                <a:solidFill>
-                  <a:srgbClr val="A31515"/>
-                </a:solidFill>
-                <a:latin typeface="Consolas" panose="020B0609020204030204" pitchFamily="49" charset="0"/>
-              </a:rPr>
-              <a:t>"</a:t>
-            </a:r>
-            <a:r>
-              <a:rPr lang="en-US" dirty="0">
-                <a:solidFill>
-                  <a:srgbClr val="000000"/>
-                </a:solidFill>
-                <a:latin typeface="Consolas" panose="020B0609020204030204" pitchFamily="49" charset="0"/>
-              </a:rPr>
-              <a:t>);</a:t>
-            </a:r>
-          </a:p>
-          <a:p>
-            <a:pPr marL="0" indent="0">
-              <a:buNone/>
-            </a:pPr>
-            <a:r>
-              <a:rPr lang="en-US" dirty="0">
-                <a:solidFill>
-                  <a:srgbClr val="000000"/>
-                </a:solidFill>
-                <a:latin typeface="Consolas" panose="020B0609020204030204" pitchFamily="49" charset="0"/>
-              </a:rPr>
-              <a:t>*</a:t>
-            </a:r>
-            <a:r>
-              <a:rPr lang="en-US" dirty="0" err="1">
-                <a:solidFill>
-                  <a:srgbClr val="000000"/>
-                </a:solidFill>
-                <a:latin typeface="Consolas" panose="020B0609020204030204" pitchFamily="49" charset="0"/>
-              </a:rPr>
-              <a:t>pMyFile</a:t>
-            </a:r>
-            <a:r>
-              <a:rPr lang="en-US" dirty="0">
-                <a:solidFill>
-                  <a:srgbClr val="000000"/>
-                </a:solidFill>
-                <a:latin typeface="Consolas" panose="020B0609020204030204" pitchFamily="49" charset="0"/>
-              </a:rPr>
-              <a:t> </a:t>
-            </a:r>
-            <a:r>
-              <a:rPr lang="en-US" dirty="0">
-                <a:solidFill>
-                  <a:srgbClr val="008080"/>
-                </a:solidFill>
-                <a:latin typeface="Consolas" panose="020B0609020204030204" pitchFamily="49" charset="0"/>
-              </a:rPr>
-              <a:t>&lt;&lt;</a:t>
-            </a:r>
-            <a:r>
-              <a:rPr lang="en-US" dirty="0">
-                <a:solidFill>
-                  <a:srgbClr val="000000"/>
-                </a:solidFill>
-                <a:latin typeface="Consolas" panose="020B0609020204030204" pitchFamily="49" charset="0"/>
-              </a:rPr>
-              <a:t> </a:t>
-            </a:r>
-            <a:r>
-              <a:rPr lang="en-US" dirty="0">
-                <a:solidFill>
-                  <a:srgbClr val="A31515"/>
-                </a:solidFill>
-                <a:latin typeface="Consolas" panose="020B0609020204030204" pitchFamily="49" charset="0"/>
-              </a:rPr>
-              <a:t>"Hello stream.\n"</a:t>
-            </a:r>
-            <a:r>
-              <a:rPr lang="en-US" dirty="0">
-                <a:solidFill>
-                  <a:srgbClr val="000000"/>
-                </a:solidFill>
-                <a:latin typeface="Consolas" panose="020B0609020204030204" pitchFamily="49" charset="0"/>
-              </a:rPr>
-              <a:t>;</a:t>
-            </a:r>
-          </a:p>
-          <a:p>
-            <a:pPr marL="0" indent="0">
-              <a:buNone/>
-            </a:pPr>
-            <a:r>
-              <a:rPr lang="en-US" dirty="0" err="1">
-                <a:solidFill>
-                  <a:srgbClr val="000000"/>
-                </a:solidFill>
-                <a:latin typeface="Consolas" panose="020B0609020204030204" pitchFamily="49" charset="0"/>
-              </a:rPr>
-              <a:t>pMyFile</a:t>
-            </a:r>
-            <a:r>
-              <a:rPr lang="en-US" dirty="0">
-                <a:solidFill>
-                  <a:srgbClr val="000000"/>
-                </a:solidFill>
-                <a:latin typeface="Consolas" panose="020B0609020204030204" pitchFamily="49" charset="0"/>
-              </a:rPr>
-              <a:t>-&gt;close();</a:t>
+              <a:rPr lang="en-US" dirty="0">
+                <a:solidFill>
+                  <a:srgbClr val="000000"/>
+                </a:solidFill>
+                <a:latin typeface="Consolas" panose="020B0609020204030204" pitchFamily="49" charset="0"/>
+              </a:rPr>
+              <a:t>};</a:t>
             </a:r>
             <a:endParaRPr lang="en-US" dirty="0"/>
           </a:p>
@@ -7890,20 +8542,13 @@
     </p:spTree>
     <p:extLst>
       <p:ext uri="{BB962C8B-B14F-4D97-AF65-F5344CB8AC3E}">
-        <p14:creationId xmlns:p14="http://schemas.microsoft.com/office/powerpoint/2010/main" val="201431511"/>
+        <p14:creationId xmlns:p14="http://schemas.microsoft.com/office/powerpoint/2010/main" val="3329039973"/>
       </p:ext>
     </p:extLst>
   </p:cSld>
   <p:clrMapOvr>
     <a:masterClrMapping/>
   </p:clrMapOvr>
-  <p:timing>
-    <p:tnLst>
-      <p:par>
-        <p:cTn id="1" dur="indefinite" restart="never" nodeType="tmRoot"/>
-      </p:par>
-    </p:tnLst>
-  </p:timing>
 </p:sld>
 </file>
 
@@ -7936,121 +8581,25 @@
         </p:nvSpPr>
         <p:spPr>
           <a:xfrm>
-            <a:off x="354330" y="484632"/>
-            <a:ext cx="11532870" cy="1609344"/>
+            <a:off x="574766" y="484632"/>
+            <a:ext cx="10553482" cy="577814"/>
           </a:xfrm>
         </p:spPr>
         <p:txBody>
           <a:bodyPr>
-            <a:normAutofit/>
+            <a:normAutofit fontScale="90000"/>
           </a:bodyPr>
           <a:lstStyle/>
           <a:p>
             <a:r>
-              <a:rPr lang="en-US" sz="4400" dirty="0" smtClean="0"/>
-              <a:t>Problem2: </a:t>
-            </a:r>
-            <a:r>
-              <a:rPr lang="en-US" sz="4400" dirty="0" smtClean="0"/>
-              <a:t>Modify solution to Write “Hello Stream” Twice Using </a:t>
-            </a:r>
-            <a:r>
-              <a:rPr lang="en-US" sz="4400" dirty="0" smtClean="0"/>
-              <a:t>Flags to append</a:t>
-            </a:r>
-            <a:endParaRPr lang="en-US" sz="4400" dirty="0"/>
-          </a:p>
-        </p:txBody>
-      </p:sp>
-      <p:sp>
-        <p:nvSpPr>
-          <p:cNvPr id="3" name="Content Placeholder 2"/>
-          <p:cNvSpPr>
-            <a:spLocks noGrp="1"/>
-          </p:cNvSpPr>
-          <p:nvPr>
-            <p:ph idx="1"/>
-          </p:nvPr>
-        </p:nvSpPr>
-        <p:spPr/>
-        <p:txBody>
-          <a:bodyPr/>
-          <a:lstStyle/>
-          <a:p>
-            <a:pPr marL="0" indent="0">
-              <a:buNone/>
-            </a:pPr>
-            <a:endParaRPr lang="en-US" dirty="0" smtClean="0"/>
-          </a:p>
-          <a:p>
+              <a:rPr lang="en-US" dirty="0" smtClean="0"/>
+              <a:t>eXAm1: </a:t>
+            </a:r>
+            <a:r>
+              <a:rPr lang="en-US" dirty="0"/>
+              <a:t>Problem 2 : Define functions which :</a:t>
+            </a:r>
             <a:endParaRPr lang="en-US" dirty="0"/>
-          </a:p>
-        </p:txBody>
-      </p:sp>
-    </p:spTree>
-    <p:extLst>
-      <p:ext uri="{BB962C8B-B14F-4D97-AF65-F5344CB8AC3E}">
-        <p14:creationId xmlns:p14="http://schemas.microsoft.com/office/powerpoint/2010/main" val="2217512264"/>
-      </p:ext>
-    </p:extLst>
-  </p:cSld>
-  <p:clrMapOvr>
-    <a:masterClrMapping/>
-  </p:clrMapOvr>
-  <p:timing>
-    <p:tnLst>
-      <p:par>
-        <p:cTn id="1" dur="indefinite" restart="never" nodeType="tmRoot"/>
-      </p:par>
-    </p:tnLst>
-  </p:timing>
-</p:sld>
-</file>
-
-<file path=ppt/slides/slide18.xml><?xml version="1.0" encoding="utf-8"?>
-<p:sld xmlns:a="http://schemas.openxmlformats.org/drawingml/2006/main" xmlns:r="http://schemas.openxmlformats.org/officeDocument/2006/relationships" xmlns:p="http://schemas.openxmlformats.org/presentationml/2006/main">
-  <p:cSld>
-    <p:spTree>
-      <p:nvGrpSpPr>
-        <p:cNvPr id="1" name=""/>
-        <p:cNvGrpSpPr/>
-        <p:nvPr/>
-      </p:nvGrpSpPr>
-      <p:grpSpPr>
-        <a:xfrm>
-          <a:off x="0" y="0"/>
-          <a:ext cx="0" cy="0"/>
-          <a:chOff x="0" y="0"/>
-          <a:chExt cx="0" cy="0"/>
-        </a:xfrm>
-      </p:grpSpPr>
-      <p:sp>
-        <p:nvSpPr>
-          <p:cNvPr id="2" name="Title 1"/>
-          <p:cNvSpPr>
-            <a:spLocks noGrp="1"/>
-          </p:cNvSpPr>
-          <p:nvPr>
-            <p:ph type="title"/>
-          </p:nvPr>
-        </p:nvSpPr>
-        <p:spPr>
-          <a:xfrm>
-            <a:off x="1069848" y="484632"/>
-            <a:ext cx="10817352" cy="1609344"/>
-          </a:xfrm>
-        </p:spPr>
-        <p:txBody>
-          <a:bodyPr>
-            <a:normAutofit/>
-          </a:bodyPr>
-          <a:lstStyle/>
-          <a:p>
-            <a:r>
-              <a:rPr lang="en-US" sz="4400" dirty="0" smtClean="0"/>
-              <a:t>Solution:</a:t>
-            </a:r>
-            <a:endParaRPr lang="en-US" sz="4400" dirty="0"/>
           </a:p>
         </p:txBody>
       </p:sp>
@@ -8066,34 +8615,101 @@
         </p:nvSpPr>
         <p:spPr>
           <a:xfrm>
-            <a:off x="1069848" y="2121408"/>
-            <a:ext cx="10337292" cy="4050792"/>
+            <a:off x="129322" y="1367246"/>
+            <a:ext cx="11853672" cy="5490754"/>
           </a:xfrm>
         </p:spPr>
         <p:txBody>
           <a:bodyPr>
-            <a:normAutofit fontScale="85000" lnSpcReduction="20000"/>
+            <a:normAutofit/>
           </a:bodyPr>
           <a:lstStyle/>
           <a:p>
             <a:pPr marL="0" indent="0">
               <a:buNone/>
             </a:pPr>
-            <a:endParaRPr lang="en-US" dirty="0" smtClean="0"/>
+            <a:r>
+              <a:rPr lang="en-US" dirty="0">
+                <a:solidFill>
+                  <a:srgbClr val="000000"/>
+                </a:solidFill>
+                <a:latin typeface="Consolas" panose="020B0609020204030204" pitchFamily="49" charset="0"/>
+              </a:rPr>
+              <a:t>A) Input Array of Point3 points</a:t>
+            </a:r>
           </a:p>
           <a:p>
             <a:pPr marL="0" indent="0">
               <a:buNone/>
             </a:pPr>
             <a:r>
-              <a:rPr lang="en-US" dirty="0">
-                <a:solidFill>
-                  <a:srgbClr val="008000"/>
-                </a:solidFill>
-                <a:latin typeface="Consolas" panose="020B0609020204030204" pitchFamily="49" charset="0"/>
-              </a:rPr>
-              <a:t>//A)</a:t>
-            </a:r>
+              <a:rPr lang="en-US" dirty="0" smtClean="0">
+                <a:solidFill>
+                  <a:srgbClr val="0000FF"/>
+                </a:solidFill>
+                <a:latin typeface="Consolas" panose="020B0609020204030204" pitchFamily="49" charset="0"/>
+              </a:rPr>
+              <a:t>void</a:t>
+            </a:r>
+            <a:r>
+              <a:rPr lang="en-US" dirty="0" smtClean="0">
+                <a:solidFill>
+                  <a:srgbClr val="000000"/>
+                </a:solidFill>
+                <a:latin typeface="Consolas" panose="020B0609020204030204" pitchFamily="49" charset="0"/>
+              </a:rPr>
+              <a:t> </a:t>
+            </a:r>
+            <a:r>
+              <a:rPr lang="en-US" dirty="0">
+                <a:solidFill>
+                  <a:srgbClr val="000000"/>
+                </a:solidFill>
+                <a:latin typeface="Consolas" panose="020B0609020204030204" pitchFamily="49" charset="0"/>
+              </a:rPr>
+              <a:t>Input(</a:t>
+            </a:r>
+            <a:r>
+              <a:rPr lang="en-US" dirty="0" err="1">
+                <a:solidFill>
+                  <a:srgbClr val="0000FF"/>
+                </a:solidFill>
+                <a:latin typeface="Consolas" panose="020B0609020204030204" pitchFamily="49" charset="0"/>
+              </a:rPr>
+              <a:t>int</a:t>
+            </a:r>
+            <a:r>
+              <a:rPr lang="en-US" dirty="0">
+                <a:solidFill>
+                  <a:srgbClr val="000000"/>
+                </a:solidFill>
+                <a:latin typeface="Consolas" panose="020B0609020204030204" pitchFamily="49" charset="0"/>
+              </a:rPr>
+              <a:t> n, Point3 </a:t>
+            </a:r>
+            <a:r>
+              <a:rPr lang="en-US" dirty="0">
+                <a:solidFill>
+                  <a:srgbClr val="0000FF"/>
+                </a:solidFill>
+                <a:latin typeface="Consolas" panose="020B0609020204030204" pitchFamily="49" charset="0"/>
+              </a:rPr>
+              <a:t>array</a:t>
+            </a:r>
+            <a:r>
+              <a:rPr lang="en-US" dirty="0">
+                <a:solidFill>
+                  <a:srgbClr val="000000"/>
+                </a:solidFill>
+                <a:latin typeface="Consolas" panose="020B0609020204030204" pitchFamily="49" charset="0"/>
+              </a:rPr>
+              <a:t>[]);</a:t>
+            </a:r>
+          </a:p>
+          <a:p>
+            <a:pPr marL="0" indent="0">
+              <a:buNone/>
+            </a:pPr>
             <a:endParaRPr lang="en-US" dirty="0">
               <a:solidFill>
                 <a:srgbClr val="000000"/>
@@ -8106,50 +8722,87 @@
               <a:buNone/>
             </a:pPr>
             <a:r>
+              <a:rPr lang="en-US" dirty="0">
+                <a:solidFill>
+                  <a:srgbClr val="000000"/>
+                </a:solidFill>
+                <a:latin typeface="Consolas" panose="020B0609020204030204" pitchFamily="49" charset="0"/>
+              </a:rPr>
+              <a:t>B) Modify Array of Point3 points with symmetry point by center Point3(0, 0, 0).</a:t>
+            </a:r>
+          </a:p>
+          <a:p>
+            <a:pPr marL="0" indent="0">
+              <a:buNone/>
+            </a:pPr>
+            <a:r>
+              <a:rPr lang="en-US" dirty="0" smtClean="0">
+                <a:solidFill>
+                  <a:srgbClr val="0000FF"/>
+                </a:solidFill>
+                <a:latin typeface="Consolas" panose="020B0609020204030204" pitchFamily="49" charset="0"/>
+              </a:rPr>
+              <a:t>void</a:t>
+            </a:r>
+            <a:r>
+              <a:rPr lang="en-US" dirty="0" smtClean="0">
+                <a:solidFill>
+                  <a:srgbClr val="000000"/>
+                </a:solidFill>
+                <a:latin typeface="Consolas" panose="020B0609020204030204" pitchFamily="49" charset="0"/>
+              </a:rPr>
+              <a:t> </a:t>
+            </a:r>
+            <a:r>
+              <a:rPr lang="en-US" dirty="0">
+                <a:solidFill>
+                  <a:srgbClr val="000000"/>
+                </a:solidFill>
+                <a:latin typeface="Consolas" panose="020B0609020204030204" pitchFamily="49" charset="0"/>
+              </a:rPr>
+              <a:t>Symmetry(</a:t>
+            </a:r>
+            <a:r>
               <a:rPr lang="en-US" dirty="0" err="1">
                 <a:solidFill>
-                  <a:srgbClr val="2B91AF"/>
-                </a:solidFill>
-                <a:latin typeface="Consolas" panose="020B0609020204030204" pitchFamily="49" charset="0"/>
-              </a:rPr>
-              <a:t>ofstream</a:t>
-            </a:r>
-            <a:r>
-              <a:rPr lang="en-US" dirty="0">
-                <a:solidFill>
-                  <a:srgbClr val="000000"/>
-                </a:solidFill>
-                <a:latin typeface="Consolas" panose="020B0609020204030204" pitchFamily="49" charset="0"/>
-              </a:rPr>
-              <a:t> </a:t>
-            </a:r>
-            <a:r>
-              <a:rPr lang="en-US" dirty="0" err="1">
-                <a:solidFill>
-                  <a:srgbClr val="000000"/>
-                </a:solidFill>
-                <a:latin typeface="Consolas" panose="020B0609020204030204" pitchFamily="49" charset="0"/>
-              </a:rPr>
-              <a:t>myfile</a:t>
-            </a:r>
-            <a:r>
-              <a:rPr lang="en-US" dirty="0">
-                <a:solidFill>
-                  <a:srgbClr val="000000"/>
-                </a:solidFill>
-                <a:latin typeface="Consolas" panose="020B0609020204030204" pitchFamily="49" charset="0"/>
-              </a:rPr>
-              <a:t>; </a:t>
-            </a:r>
-            <a:r>
-              <a:rPr lang="en-US" dirty="0">
-                <a:solidFill>
-                  <a:srgbClr val="008000"/>
-                </a:solidFill>
-                <a:latin typeface="Consolas" panose="020B0609020204030204" pitchFamily="49" charset="0"/>
-              </a:rPr>
-              <a:t>// Static or on the stack</a:t>
-            </a:r>
+                  <a:srgbClr val="0000FF"/>
+                </a:solidFill>
+                <a:latin typeface="Consolas" panose="020B0609020204030204" pitchFamily="49" charset="0"/>
+              </a:rPr>
+              <a:t>int</a:t>
+            </a:r>
+            <a:r>
+              <a:rPr lang="en-US" dirty="0">
+                <a:solidFill>
+                  <a:srgbClr val="000000"/>
+                </a:solidFill>
+                <a:latin typeface="Consolas" panose="020B0609020204030204" pitchFamily="49" charset="0"/>
+              </a:rPr>
+              <a:t> n, Point3 </a:t>
+            </a:r>
+            <a:r>
+              <a:rPr lang="en-US" dirty="0">
+                <a:solidFill>
+                  <a:srgbClr val="0000FF"/>
+                </a:solidFill>
+                <a:latin typeface="Consolas" panose="020B0609020204030204" pitchFamily="49" charset="0"/>
+              </a:rPr>
+              <a:t>array</a:t>
+            </a:r>
+            <a:r>
+              <a:rPr lang="en-US" dirty="0">
+                <a:solidFill>
+                  <a:srgbClr val="000000"/>
+                </a:solidFill>
+                <a:latin typeface="Consolas" panose="020B0609020204030204" pitchFamily="49" charset="0"/>
+              </a:rPr>
+              <a:t>[]);</a:t>
+            </a:r>
+          </a:p>
+          <a:p>
+            <a:pPr marL="0" indent="0">
+              <a:buNone/>
+            </a:pPr>
             <a:endParaRPr lang="en-US" dirty="0">
               <a:solidFill>
                 <a:srgbClr val="000000"/>
@@ -8162,446 +8815,81 @@
               <a:buNone/>
             </a:pPr>
             <a:r>
+              <a:rPr lang="en-US" dirty="0">
+                <a:solidFill>
+                  <a:srgbClr val="000000"/>
+                </a:solidFill>
+                <a:latin typeface="Consolas" panose="020B0609020204030204" pitchFamily="49" charset="0"/>
+              </a:rPr>
+              <a:t>C) Output Array of Point3 points</a:t>
+            </a:r>
+          </a:p>
+          <a:p>
+            <a:pPr marL="0" indent="0">
+              <a:buNone/>
+            </a:pPr>
+            <a:r>
+              <a:rPr lang="en-US" dirty="0" smtClean="0">
+                <a:solidFill>
+                  <a:srgbClr val="0000FF"/>
+                </a:solidFill>
+                <a:latin typeface="Consolas" panose="020B0609020204030204" pitchFamily="49" charset="0"/>
+              </a:rPr>
+              <a:t>void</a:t>
+            </a:r>
+            <a:r>
+              <a:rPr lang="en-US" dirty="0" smtClean="0">
+                <a:solidFill>
+                  <a:srgbClr val="000000"/>
+                </a:solidFill>
+                <a:latin typeface="Consolas" panose="020B0609020204030204" pitchFamily="49" charset="0"/>
+              </a:rPr>
+              <a:t> </a:t>
+            </a:r>
+            <a:r>
+              <a:rPr lang="en-US" dirty="0">
+                <a:solidFill>
+                  <a:srgbClr val="000000"/>
+                </a:solidFill>
+                <a:latin typeface="Consolas" panose="020B0609020204030204" pitchFamily="49" charset="0"/>
+              </a:rPr>
+              <a:t>Output(</a:t>
+            </a:r>
+            <a:r>
               <a:rPr lang="en-US" dirty="0" err="1">
                 <a:solidFill>
-                  <a:srgbClr val="000000"/>
-                </a:solidFill>
-                <a:latin typeface="Consolas" panose="020B0609020204030204" pitchFamily="49" charset="0"/>
-              </a:rPr>
-              <a:t>myfile.open</a:t>
-            </a:r>
-            <a:r>
-              <a:rPr lang="en-US" dirty="0">
-                <a:solidFill>
-                  <a:srgbClr val="000000"/>
-                </a:solidFill>
-                <a:latin typeface="Consolas" panose="020B0609020204030204" pitchFamily="49" charset="0"/>
-              </a:rPr>
-              <a:t>(</a:t>
-            </a:r>
-            <a:r>
-              <a:rPr lang="en-US" dirty="0">
-                <a:solidFill>
-                  <a:srgbClr val="A31515"/>
-                </a:solidFill>
-                <a:latin typeface="Consolas" panose="020B0609020204030204" pitchFamily="49" charset="0"/>
-              </a:rPr>
-              <a:t>"myFirstFile.txt"</a:t>
-            </a:r>
-            <a:r>
-              <a:rPr lang="en-US" dirty="0">
-                <a:solidFill>
-                  <a:srgbClr val="000000"/>
-                </a:solidFill>
-                <a:latin typeface="Consolas" panose="020B0609020204030204" pitchFamily="49" charset="0"/>
-              </a:rPr>
-              <a:t>);</a:t>
-            </a:r>
-          </a:p>
-          <a:p>
-            <a:pPr marL="0" indent="0">
-              <a:buNone/>
-            </a:pPr>
-            <a:r>
-              <a:rPr lang="en-US" dirty="0" err="1">
-                <a:solidFill>
-                  <a:srgbClr val="000000"/>
-                </a:solidFill>
-                <a:latin typeface="Consolas" panose="020B0609020204030204" pitchFamily="49" charset="0"/>
-              </a:rPr>
-              <a:t>myfile</a:t>
-            </a:r>
-            <a:r>
-              <a:rPr lang="en-US" dirty="0">
-                <a:solidFill>
-                  <a:srgbClr val="000000"/>
-                </a:solidFill>
-                <a:latin typeface="Consolas" panose="020B0609020204030204" pitchFamily="49" charset="0"/>
-              </a:rPr>
-              <a:t> </a:t>
-            </a:r>
-            <a:r>
-              <a:rPr lang="en-US" dirty="0">
-                <a:solidFill>
-                  <a:srgbClr val="008080"/>
-                </a:solidFill>
-                <a:latin typeface="Consolas" panose="020B0609020204030204" pitchFamily="49" charset="0"/>
-              </a:rPr>
-              <a:t>&lt;&lt;</a:t>
-            </a:r>
-            <a:r>
-              <a:rPr lang="en-US" dirty="0">
-                <a:solidFill>
-                  <a:srgbClr val="000000"/>
-                </a:solidFill>
-                <a:latin typeface="Consolas" panose="020B0609020204030204" pitchFamily="49" charset="0"/>
-              </a:rPr>
-              <a:t> </a:t>
-            </a:r>
-            <a:r>
-              <a:rPr lang="en-US" dirty="0">
-                <a:solidFill>
-                  <a:srgbClr val="A31515"/>
-                </a:solidFill>
-                <a:latin typeface="Consolas" panose="020B0609020204030204" pitchFamily="49" charset="0"/>
-              </a:rPr>
-              <a:t>"Hello stream.\n"</a:t>
-            </a:r>
-            <a:r>
-              <a:rPr lang="en-US" dirty="0">
-                <a:solidFill>
-                  <a:srgbClr val="000000"/>
-                </a:solidFill>
-                <a:latin typeface="Consolas" panose="020B0609020204030204" pitchFamily="49" charset="0"/>
-              </a:rPr>
-              <a:t>;</a:t>
-            </a:r>
-          </a:p>
-          <a:p>
-            <a:pPr marL="0" indent="0">
-              <a:buNone/>
-            </a:pPr>
-            <a:r>
-              <a:rPr lang="en-US" dirty="0" err="1">
-                <a:solidFill>
-                  <a:srgbClr val="000000"/>
-                </a:solidFill>
-                <a:latin typeface="Consolas" panose="020B0609020204030204" pitchFamily="49" charset="0"/>
-              </a:rPr>
-              <a:t>myfile.close</a:t>
-            </a:r>
-            <a:r>
-              <a:rPr lang="en-US" dirty="0">
-                <a:solidFill>
-                  <a:srgbClr val="000000"/>
-                </a:solidFill>
-                <a:latin typeface="Consolas" panose="020B0609020204030204" pitchFamily="49" charset="0"/>
-              </a:rPr>
-              <a:t>();</a:t>
-            </a:r>
-          </a:p>
-          <a:p>
-            <a:pPr marL="0" indent="0">
-              <a:buNone/>
-            </a:pPr>
-            <a:endParaRPr lang="en-US" dirty="0">
-              <a:solidFill>
-                <a:srgbClr val="000000"/>
-              </a:solidFill>
-              <a:latin typeface="Consolas" panose="020B0609020204030204" pitchFamily="49" charset="0"/>
-            </a:endParaRPr>
-          </a:p>
-          <a:p>
-            <a:pPr marL="0" indent="0">
-              <a:buNone/>
-            </a:pPr>
-            <a:r>
-              <a:rPr lang="en-US" dirty="0">
-                <a:solidFill>
-                  <a:srgbClr val="008000"/>
-                </a:solidFill>
-                <a:latin typeface="Consolas" panose="020B0609020204030204" pitchFamily="49" charset="0"/>
-              </a:rPr>
-              <a:t>//B)</a:t>
-            </a:r>
-            <a:endParaRPr lang="en-US" dirty="0">
-              <a:solidFill>
-                <a:srgbClr val="000000"/>
-              </a:solidFill>
-              <a:latin typeface="Consolas" panose="020B0609020204030204" pitchFamily="49" charset="0"/>
-            </a:endParaRPr>
-          </a:p>
-          <a:p>
-            <a:pPr marL="0" indent="0">
-              <a:buNone/>
-            </a:pPr>
-            <a:r>
-              <a:rPr lang="en-US" dirty="0" err="1">
-                <a:solidFill>
-                  <a:srgbClr val="2B91AF"/>
-                </a:solidFill>
-                <a:latin typeface="Consolas" panose="020B0609020204030204" pitchFamily="49" charset="0"/>
-              </a:rPr>
-              <a:t>ofstream</a:t>
-            </a:r>
-            <a:r>
-              <a:rPr lang="en-US" dirty="0">
-                <a:solidFill>
-                  <a:srgbClr val="000000"/>
-                </a:solidFill>
-                <a:latin typeface="Consolas" panose="020B0609020204030204" pitchFamily="49" charset="0"/>
-              </a:rPr>
-              <a:t>* </a:t>
-            </a:r>
-            <a:r>
-              <a:rPr lang="en-US" dirty="0" err="1">
-                <a:solidFill>
-                  <a:srgbClr val="000000"/>
-                </a:solidFill>
-                <a:latin typeface="Consolas" panose="020B0609020204030204" pitchFamily="49" charset="0"/>
-              </a:rPr>
-              <a:t>pMyFile</a:t>
-            </a:r>
-            <a:r>
-              <a:rPr lang="en-US" dirty="0">
-                <a:solidFill>
-                  <a:srgbClr val="000000"/>
-                </a:solidFill>
-                <a:latin typeface="Consolas" panose="020B0609020204030204" pitchFamily="49" charset="0"/>
-              </a:rPr>
-              <a:t> = </a:t>
-            </a:r>
-            <a:r>
-              <a:rPr lang="en-US" dirty="0">
-                <a:solidFill>
                   <a:srgbClr val="0000FF"/>
                 </a:solidFill>
                 <a:latin typeface="Consolas" panose="020B0609020204030204" pitchFamily="49" charset="0"/>
               </a:rPr>
-              <a:t>new</a:t>
-            </a:r>
-            <a:r>
-              <a:rPr lang="en-US" dirty="0">
-                <a:solidFill>
-                  <a:srgbClr val="000000"/>
-                </a:solidFill>
-                <a:latin typeface="Consolas" panose="020B0609020204030204" pitchFamily="49" charset="0"/>
-              </a:rPr>
-              <a:t> </a:t>
-            </a:r>
-            <a:r>
-              <a:rPr lang="en-US" dirty="0" err="1">
-                <a:solidFill>
-                  <a:srgbClr val="2B91AF"/>
-                </a:solidFill>
-                <a:latin typeface="Consolas" panose="020B0609020204030204" pitchFamily="49" charset="0"/>
-              </a:rPr>
-              <a:t>ofstream</a:t>
-            </a:r>
-            <a:r>
-              <a:rPr lang="en-US" dirty="0">
-                <a:solidFill>
-                  <a:srgbClr val="000000"/>
-                </a:solidFill>
-                <a:latin typeface="Consolas" panose="020B0609020204030204" pitchFamily="49" charset="0"/>
-              </a:rPr>
-              <a:t>; </a:t>
-            </a:r>
-            <a:r>
-              <a:rPr lang="en-US" dirty="0">
-                <a:solidFill>
-                  <a:srgbClr val="008000"/>
-                </a:solidFill>
-                <a:latin typeface="Consolas" panose="020B0609020204030204" pitchFamily="49" charset="0"/>
-              </a:rPr>
-              <a:t>// On the heap</a:t>
-            </a:r>
-            <a:endParaRPr lang="en-US" dirty="0">
-              <a:solidFill>
-                <a:srgbClr val="000000"/>
-              </a:solidFill>
-              <a:latin typeface="Consolas" panose="020B0609020204030204" pitchFamily="49" charset="0"/>
-            </a:endParaRPr>
-          </a:p>
-          <a:p>
-            <a:pPr marL="0" indent="0">
-              <a:buNone/>
-            </a:pPr>
-            <a:r>
-              <a:rPr lang="en-US" dirty="0" err="1">
-                <a:solidFill>
-                  <a:srgbClr val="000000"/>
-                </a:solidFill>
-                <a:latin typeface="Consolas" panose="020B0609020204030204" pitchFamily="49" charset="0"/>
-              </a:rPr>
-              <a:t>pMyFile</a:t>
-            </a:r>
-            <a:r>
-              <a:rPr lang="en-US" dirty="0">
-                <a:solidFill>
-                  <a:srgbClr val="000000"/>
-                </a:solidFill>
-                <a:latin typeface="Consolas" panose="020B0609020204030204" pitchFamily="49" charset="0"/>
-              </a:rPr>
-              <a:t>-&gt;open(</a:t>
-            </a:r>
-            <a:r>
-              <a:rPr lang="en-US" dirty="0">
-                <a:solidFill>
-                  <a:srgbClr val="A31515"/>
-                </a:solidFill>
-                <a:latin typeface="Consolas" panose="020B0609020204030204" pitchFamily="49" charset="0"/>
-              </a:rPr>
-              <a:t>"myFirstFile.txt"</a:t>
-            </a:r>
-            <a:r>
-              <a:rPr lang="en-US" dirty="0">
-                <a:solidFill>
-                  <a:srgbClr val="000000"/>
-                </a:solidFill>
-                <a:latin typeface="Consolas" panose="020B0609020204030204" pitchFamily="49" charset="0"/>
-              </a:rPr>
-              <a:t>, </a:t>
-            </a:r>
-            <a:r>
-              <a:rPr lang="en-US" dirty="0" err="1">
-                <a:solidFill>
-                  <a:srgbClr val="2B91AF"/>
-                </a:solidFill>
-                <a:latin typeface="Consolas" panose="020B0609020204030204" pitchFamily="49" charset="0"/>
-              </a:rPr>
-              <a:t>ios</a:t>
-            </a:r>
-            <a:r>
-              <a:rPr lang="en-US" dirty="0">
-                <a:solidFill>
-                  <a:srgbClr val="000000"/>
-                </a:solidFill>
-                <a:latin typeface="Consolas" panose="020B0609020204030204" pitchFamily="49" charset="0"/>
-              </a:rPr>
-              <a:t>::app</a:t>
-            </a:r>
-            <a:r>
-              <a:rPr lang="en-US" dirty="0" smtClean="0">
-                <a:solidFill>
-                  <a:srgbClr val="000000"/>
-                </a:solidFill>
-                <a:latin typeface="Consolas" panose="020B0609020204030204" pitchFamily="49" charset="0"/>
-              </a:rPr>
-              <a:t>); </a:t>
-            </a:r>
-            <a:r>
-              <a:rPr lang="en-US" dirty="0">
-                <a:solidFill>
-                  <a:srgbClr val="008000"/>
-                </a:solidFill>
-                <a:latin typeface="Consolas" panose="020B0609020204030204" pitchFamily="49" charset="0"/>
-              </a:rPr>
-              <a:t>// using </a:t>
-            </a:r>
-            <a:r>
-              <a:rPr lang="en-US" dirty="0" smtClean="0">
-                <a:solidFill>
-                  <a:srgbClr val="008000"/>
-                </a:solidFill>
-                <a:latin typeface="Consolas" panose="020B0609020204030204" pitchFamily="49" charset="0"/>
-              </a:rPr>
-              <a:t>flag </a:t>
-            </a:r>
-            <a:r>
-              <a:rPr lang="en-US" dirty="0" err="1" smtClean="0">
-                <a:solidFill>
-                  <a:srgbClr val="008000"/>
-                </a:solidFill>
-                <a:latin typeface="Consolas" panose="020B0609020204030204" pitchFamily="49" charset="0"/>
-              </a:rPr>
-              <a:t>ios</a:t>
-            </a:r>
-            <a:r>
-              <a:rPr lang="en-US" dirty="0" smtClean="0">
-                <a:solidFill>
-                  <a:srgbClr val="008000"/>
-                </a:solidFill>
-                <a:latin typeface="Consolas" panose="020B0609020204030204" pitchFamily="49" charset="0"/>
-              </a:rPr>
-              <a:t>::app to indicate append</a:t>
-            </a:r>
-            <a:endParaRPr lang="en-US" dirty="0">
-              <a:solidFill>
-                <a:srgbClr val="008000"/>
-              </a:solidFill>
-              <a:latin typeface="Consolas" panose="020B0609020204030204" pitchFamily="49" charset="0"/>
-            </a:endParaRPr>
-          </a:p>
-          <a:p>
-            <a:pPr marL="0" indent="0">
-              <a:buNone/>
-            </a:pPr>
-            <a:r>
-              <a:rPr lang="en-US" dirty="0">
-                <a:solidFill>
-                  <a:srgbClr val="000000"/>
-                </a:solidFill>
-                <a:latin typeface="Consolas" panose="020B0609020204030204" pitchFamily="49" charset="0"/>
-              </a:rPr>
-              <a:t>*</a:t>
-            </a:r>
-            <a:r>
-              <a:rPr lang="en-US" dirty="0" err="1">
-                <a:solidFill>
-                  <a:srgbClr val="000000"/>
-                </a:solidFill>
-                <a:latin typeface="Consolas" panose="020B0609020204030204" pitchFamily="49" charset="0"/>
-              </a:rPr>
-              <a:t>pMyFile</a:t>
-            </a:r>
-            <a:r>
-              <a:rPr lang="en-US" dirty="0">
-                <a:solidFill>
-                  <a:srgbClr val="000000"/>
-                </a:solidFill>
-                <a:latin typeface="Consolas" panose="020B0609020204030204" pitchFamily="49" charset="0"/>
-              </a:rPr>
-              <a:t> </a:t>
-            </a:r>
-            <a:r>
-              <a:rPr lang="en-US" dirty="0">
-                <a:solidFill>
-                  <a:srgbClr val="008080"/>
-                </a:solidFill>
-                <a:latin typeface="Consolas" panose="020B0609020204030204" pitchFamily="49" charset="0"/>
-              </a:rPr>
-              <a:t>&lt;&lt;</a:t>
-            </a:r>
-            <a:r>
-              <a:rPr lang="en-US" dirty="0">
-                <a:solidFill>
-                  <a:srgbClr val="000000"/>
-                </a:solidFill>
-                <a:latin typeface="Consolas" panose="020B0609020204030204" pitchFamily="49" charset="0"/>
-              </a:rPr>
-              <a:t> </a:t>
-            </a:r>
-            <a:r>
-              <a:rPr lang="en-US" dirty="0">
-                <a:solidFill>
-                  <a:srgbClr val="A31515"/>
-                </a:solidFill>
-                <a:latin typeface="Consolas" panose="020B0609020204030204" pitchFamily="49" charset="0"/>
-              </a:rPr>
-              <a:t>"Hello stream.\n"</a:t>
-            </a:r>
-            <a:r>
-              <a:rPr lang="en-US" dirty="0">
-                <a:solidFill>
-                  <a:srgbClr val="000000"/>
-                </a:solidFill>
-                <a:latin typeface="Consolas" panose="020B0609020204030204" pitchFamily="49" charset="0"/>
-              </a:rPr>
-              <a:t>;</a:t>
-            </a:r>
-          </a:p>
-          <a:p>
-            <a:pPr marL="0" indent="0">
-              <a:buNone/>
-            </a:pPr>
-            <a:r>
-              <a:rPr lang="en-US" dirty="0" err="1">
-                <a:solidFill>
-                  <a:srgbClr val="000000"/>
-                </a:solidFill>
-                <a:latin typeface="Consolas" panose="020B0609020204030204" pitchFamily="49" charset="0"/>
-              </a:rPr>
-              <a:t>pMyFile</a:t>
-            </a:r>
-            <a:r>
-              <a:rPr lang="en-US" dirty="0">
-                <a:solidFill>
-                  <a:srgbClr val="000000"/>
-                </a:solidFill>
-                <a:latin typeface="Consolas" panose="020B0609020204030204" pitchFamily="49" charset="0"/>
-              </a:rPr>
-              <a:t>-&gt;close();</a:t>
+              <a:t>int</a:t>
+            </a:r>
+            <a:r>
+              <a:rPr lang="en-US" dirty="0">
+                <a:solidFill>
+                  <a:srgbClr val="000000"/>
+                </a:solidFill>
+                <a:latin typeface="Consolas" panose="020B0609020204030204" pitchFamily="49" charset="0"/>
+              </a:rPr>
+              <a:t> n, Point3 </a:t>
+            </a:r>
+            <a:r>
+              <a:rPr lang="en-US" dirty="0">
+                <a:solidFill>
+                  <a:srgbClr val="0000FF"/>
+                </a:solidFill>
+                <a:latin typeface="Consolas" panose="020B0609020204030204" pitchFamily="49" charset="0"/>
+              </a:rPr>
+              <a:t>array</a:t>
+            </a:r>
+            <a:r>
+              <a:rPr lang="en-US" dirty="0">
+                <a:solidFill>
+                  <a:srgbClr val="000000"/>
+                </a:solidFill>
+                <a:latin typeface="Consolas" panose="020B0609020204030204" pitchFamily="49" charset="0"/>
+              </a:rPr>
+              <a:t>[]);</a:t>
             </a:r>
             <a:endParaRPr lang="en-US" dirty="0"/>
           </a:p>
@@ -8610,110 +8898,13 @@
     </p:spTree>
     <p:extLst>
       <p:ext uri="{BB962C8B-B14F-4D97-AF65-F5344CB8AC3E}">
-        <p14:creationId xmlns:p14="http://schemas.microsoft.com/office/powerpoint/2010/main" val="3811982679"/>
+        <p14:creationId xmlns:p14="http://schemas.microsoft.com/office/powerpoint/2010/main" val="123560890"/>
       </p:ext>
     </p:extLst>
   </p:cSld>
   <p:clrMapOvr>
     <a:masterClrMapping/>
   </p:clrMapOvr>
-  <p:timing>
-    <p:tnLst>
-      <p:par>
-        <p:cTn id="1" dur="indefinite" restart="never" nodeType="tmRoot"/>
-      </p:par>
-    </p:tnLst>
-  </p:timing>
-</p:sld>
-</file>
-
-<file path=ppt/slides/slide19.xml><?xml version="1.0" encoding="utf-8"?>
-<p:sld xmlns:a="http://schemas.openxmlformats.org/drawingml/2006/main" xmlns:r="http://schemas.openxmlformats.org/officeDocument/2006/relationships" xmlns:p="http://schemas.openxmlformats.org/presentationml/2006/main">
-  <p:cSld>
-    <p:spTree>
-      <p:nvGrpSpPr>
-        <p:cNvPr id="1" name=""/>
-        <p:cNvGrpSpPr/>
-        <p:nvPr/>
-      </p:nvGrpSpPr>
-      <p:grpSpPr>
-        <a:xfrm>
-          <a:off x="0" y="0"/>
-          <a:ext cx="0" cy="0"/>
-          <a:chOff x="0" y="0"/>
-          <a:chExt cx="0" cy="0"/>
-        </a:xfrm>
-      </p:grpSpPr>
-      <p:sp>
-        <p:nvSpPr>
-          <p:cNvPr id="2" name="Title 1"/>
-          <p:cNvSpPr>
-            <a:spLocks noGrp="1"/>
-          </p:cNvSpPr>
-          <p:nvPr>
-            <p:ph type="title"/>
-          </p:nvPr>
-        </p:nvSpPr>
-        <p:spPr/>
-        <p:txBody>
-          <a:bodyPr/>
-          <a:lstStyle/>
-          <a:p>
-            <a:r>
-              <a:rPr lang="en-US" dirty="0" smtClean="0"/>
-              <a:t>Problem3: </a:t>
-            </a:r>
-            <a:r>
-              <a:rPr lang="en-US" dirty="0" smtClean="0"/>
-              <a:t>Write Program which read</a:t>
-            </a:r>
-            <a:br>
-              <a:rPr lang="en-US" dirty="0" smtClean="0"/>
-            </a:br>
-            <a:r>
-              <a:rPr lang="en-US" dirty="0" smtClean="0"/>
-              <a:t>added text from “myFirstFile.txt”</a:t>
-            </a:r>
-            <a:endParaRPr lang="en-US" dirty="0"/>
-          </a:p>
-        </p:txBody>
-      </p:sp>
-      <p:sp>
-        <p:nvSpPr>
-          <p:cNvPr id="3" name="Content Placeholder 2"/>
-          <p:cNvSpPr>
-            <a:spLocks noGrp="1"/>
-          </p:cNvSpPr>
-          <p:nvPr>
-            <p:ph idx="1"/>
-          </p:nvPr>
-        </p:nvSpPr>
-        <p:spPr/>
-        <p:txBody>
-          <a:bodyPr/>
-          <a:lstStyle/>
-          <a:p>
-            <a:endParaRPr lang="en-US"/>
-          </a:p>
-        </p:txBody>
-      </p:sp>
-    </p:spTree>
-    <p:extLst>
-      <p:ext uri="{BB962C8B-B14F-4D97-AF65-F5344CB8AC3E}">
-        <p14:creationId xmlns:p14="http://schemas.microsoft.com/office/powerpoint/2010/main" val="1631412176"/>
-      </p:ext>
-    </p:extLst>
-  </p:cSld>
-  <p:clrMapOvr>
-    <a:masterClrMapping/>
-  </p:clrMapOvr>
-  <p:timing>
-    <p:tnLst>
-      <p:par>
-        <p:cTn id="1" dur="indefinite" restart="never" nodeType="tmRoot"/>
-      </p:par>
-    </p:tnLst>
-  </p:timing>
 </p:sld>
 </file>
 
@@ -8900,147 +9091,6 @@
   <p:clrMapOvr>
     <a:masterClrMapping/>
   </p:clrMapOvr>
-</p:sld>
-</file>
-
-<file path=ppt/slides/slide20.xml><?xml version="1.0" encoding="utf-8"?>
-<p:sld xmlns:a="http://schemas.openxmlformats.org/drawingml/2006/main" xmlns:r="http://schemas.openxmlformats.org/officeDocument/2006/relationships" xmlns:p="http://schemas.openxmlformats.org/presentationml/2006/main">
-  <p:cSld>
-    <p:spTree>
-      <p:nvGrpSpPr>
-        <p:cNvPr id="1" name=""/>
-        <p:cNvGrpSpPr/>
-        <p:nvPr/>
-      </p:nvGrpSpPr>
-      <p:grpSpPr>
-        <a:xfrm>
-          <a:off x="0" y="0"/>
-          <a:ext cx="0" cy="0"/>
-          <a:chOff x="0" y="0"/>
-          <a:chExt cx="0" cy="0"/>
-        </a:xfrm>
-      </p:grpSpPr>
-      <p:sp>
-        <p:nvSpPr>
-          <p:cNvPr id="2" name="Title 1"/>
-          <p:cNvSpPr>
-            <a:spLocks noGrp="1"/>
-          </p:cNvSpPr>
-          <p:nvPr>
-            <p:ph type="title"/>
-          </p:nvPr>
-        </p:nvSpPr>
-        <p:spPr>
-          <a:xfrm>
-            <a:off x="569323" y="1799953"/>
-            <a:ext cx="11212830" cy="2263139"/>
-          </a:xfrm>
-        </p:spPr>
-        <p:txBody>
-          <a:bodyPr>
-            <a:noAutofit/>
-          </a:bodyPr>
-          <a:lstStyle/>
-          <a:p>
-            <a:r>
-              <a:rPr lang="en-US" sz="4400" i="1" dirty="0"/>
-              <a:t/>
-            </a:r>
-            <a:br>
-              <a:rPr lang="en-US" sz="4400" i="1" dirty="0"/>
-            </a:br>
-            <a:r>
-              <a:rPr lang="en-US" sz="4400" i="1" dirty="0" smtClean="0"/>
-              <a:t>Homework:</a:t>
-            </a:r>
-            <a:br>
-              <a:rPr lang="en-US" sz="4400" i="1" dirty="0" smtClean="0"/>
-            </a:br>
-            <a:r>
-              <a:rPr lang="en-US" sz="4400" i="1" dirty="0" smtClean="0"/>
-              <a:t/>
-            </a:r>
-            <a:br>
-              <a:rPr lang="en-US" sz="4400" i="1" dirty="0" smtClean="0"/>
-            </a:br>
-            <a:r>
-              <a:rPr lang="en-US" sz="4400" i="1" dirty="0" smtClean="0"/>
-              <a:t>Problem3</a:t>
-            </a:r>
-            <a:r>
-              <a:rPr lang="en-US" sz="4400" i="1" dirty="0" smtClean="0"/>
-              <a:t>:  </a:t>
-            </a:r>
-            <a:r>
-              <a:rPr lang="en-US" sz="4400" i="1" dirty="0" smtClean="0"/>
-              <a:t>Use </a:t>
-            </a:r>
-            <a:r>
-              <a:rPr lang="en-US" sz="4400" i="1" dirty="0" smtClean="0"/>
-              <a:t>Person Class (from previous exercise) and </a:t>
-            </a:r>
-            <a:r>
-              <a:rPr lang="en-US" sz="4400" i="1" dirty="0" smtClean="0"/>
-              <a:t>Save </a:t>
-            </a:r>
-            <a:r>
-              <a:rPr lang="en-US" sz="4400" i="1" dirty="0" smtClean="0"/>
-              <a:t>Person objects to “persons.txt” File</a:t>
-            </a:r>
-            <a:br>
-              <a:rPr lang="en-US" sz="4400" i="1" dirty="0" smtClean="0"/>
-            </a:br>
-            <a:r>
-              <a:rPr lang="en-US" sz="4400" i="1" dirty="0" smtClean="0"/>
-              <a:t/>
-            </a:r>
-            <a:br>
-              <a:rPr lang="en-US" sz="4400" i="1" dirty="0" smtClean="0"/>
-            </a:br>
-            <a:r>
-              <a:rPr lang="en-US" sz="4400" i="1" dirty="0" smtClean="0"/>
-              <a:t>Problem4:  Read from “persons.txt” </a:t>
-            </a:r>
-            <a:r>
-              <a:rPr lang="en-US" sz="4400" i="1" dirty="0" err="1" smtClean="0"/>
-              <a:t>aNd</a:t>
-            </a:r>
-            <a:r>
-              <a:rPr lang="en-US" sz="4400" i="1" dirty="0" smtClean="0"/>
-              <a:t> Write to standard Output Every Person you read</a:t>
-            </a:r>
-            <a:br>
-              <a:rPr lang="en-US" sz="4400" i="1" dirty="0" smtClean="0"/>
-            </a:br>
-            <a:r>
-              <a:rPr lang="en-US" sz="4400" i="1" dirty="0" smtClean="0"/>
-              <a:t>with some custom </a:t>
-            </a:r>
-            <a:r>
-              <a:rPr lang="en-US" sz="4400" i="1" dirty="0" smtClean="0"/>
-              <a:t>IOS::flags</a:t>
-            </a:r>
-            <a:endParaRPr lang="en-US" sz="4400" i="1" dirty="0"/>
-          </a:p>
-        </p:txBody>
-      </p:sp>
-    </p:spTree>
-    <p:extLst>
-      <p:ext uri="{BB962C8B-B14F-4D97-AF65-F5344CB8AC3E}">
-        <p14:creationId xmlns:p14="http://schemas.microsoft.com/office/powerpoint/2010/main" val="3430959140"/>
-      </p:ext>
-    </p:extLst>
-  </p:cSld>
-  <p:clrMapOvr>
-    <a:masterClrMapping/>
-  </p:clrMapOvr>
-  <p:timing>
-    <p:tnLst>
-      <p:par>
-        <p:cTn id="1" dur="indefinite" restart="never" nodeType="tmRoot"/>
-      </p:par>
-    </p:tnLst>
-  </p:timing>
 </p:sld>
 </file>
 
@@ -9222,10 +9272,6 @@
             <a:r>
               <a:rPr lang="en-US" dirty="0"/>
               <a:t> </a:t>
-            </a:r>
-            <a:r>
-              <a:rPr lang="en-US" dirty="0"/>
-              <a:t/>
             </a:r>
             <a:br>
               <a:rPr lang="en-US" dirty="0"/>
